--- a/slides/day7_nonparametric_tidyr.pptx
+++ b/slides/day7_nonparametric_tidyr.pptx
@@ -5,7 +5,7 @@
     <p:sldMasterId id="2147483972" r:id="rId1"/>
   </p:sldMasterIdLst>
   <p:notesMasterIdLst>
-    <p:notesMasterId r:id="rId33"/>
+    <p:notesMasterId r:id="rId35"/>
   </p:notesMasterIdLst>
   <p:sldIdLst>
     <p:sldId id="256" r:id="rId2"/>
@@ -30,15 +30,17 @@
     <p:sldId id="574" r:id="rId21"/>
     <p:sldId id="575" r:id="rId22"/>
     <p:sldId id="576" r:id="rId23"/>
-    <p:sldId id="577" r:id="rId24"/>
-    <p:sldId id="551" r:id="rId25"/>
-    <p:sldId id="552" r:id="rId26"/>
-    <p:sldId id="543" r:id="rId27"/>
-    <p:sldId id="544" r:id="rId28"/>
-    <p:sldId id="545" r:id="rId29"/>
-    <p:sldId id="546" r:id="rId30"/>
-    <p:sldId id="547" r:id="rId31"/>
-    <p:sldId id="548" r:id="rId32"/>
+    <p:sldId id="578" r:id="rId24"/>
+    <p:sldId id="577" r:id="rId25"/>
+    <p:sldId id="579" r:id="rId26"/>
+    <p:sldId id="551" r:id="rId27"/>
+    <p:sldId id="552" r:id="rId28"/>
+    <p:sldId id="543" r:id="rId29"/>
+    <p:sldId id="544" r:id="rId30"/>
+    <p:sldId id="545" r:id="rId31"/>
+    <p:sldId id="546" r:id="rId32"/>
+    <p:sldId id="547" r:id="rId33"/>
+    <p:sldId id="548" r:id="rId34"/>
   </p:sldIdLst>
   <p:sldSz cx="12192000" cy="6858000"/>
   <p:notesSz cx="6858000" cy="9144000"/>
@@ -227,7 +229,7 @@
           <a:p>
             <a:fld id="{B4E65DD5-A4BF-7A4A-AF3C-9ECB64E3AD29}" type="datetimeFigureOut">
               <a:rPr lang="en-US" smtClean="0"/>
-              <a:t>10/9/17</a:t>
+              <a:t>10/10/17</a:t>
             </a:fld>
             <a:endParaRPr lang="en-US"/>
           </a:p>
@@ -644,7 +646,7 @@
           <a:p>
             <a:fld id="{35F455D7-87FC-9642-BFAF-719C44C24338}" type="slidenum">
               <a:rPr lang="en-US" smtClean="0"/>
-              <a:t>28</a:t>
+              <a:t>29</a:t>
             </a:fld>
             <a:endParaRPr lang="en-US"/>
           </a:p>
@@ -653,7 +655,7 @@
     </p:spTree>
     <p:extLst>
       <p:ext uri="{BB962C8B-B14F-4D97-AF65-F5344CB8AC3E}">
-        <p14:creationId xmlns:p14="http://schemas.microsoft.com/office/powerpoint/2010/main" val="368766795"/>
+        <p14:creationId xmlns:p14="http://schemas.microsoft.com/office/powerpoint/2010/main" val="682263300"/>
       </p:ext>
     </p:extLst>
   </p:cSld>
@@ -729,6 +731,90 @@
             <a:fld id="{35F455D7-87FC-9642-BFAF-719C44C24338}" type="slidenum">
               <a:rPr lang="en-US" smtClean="0"/>
               <a:t>30</a:t>
+            </a:fld>
+            <a:endParaRPr lang="en-US"/>
+          </a:p>
+        </p:txBody>
+      </p:sp>
+    </p:spTree>
+    <p:extLst>
+      <p:ext uri="{BB962C8B-B14F-4D97-AF65-F5344CB8AC3E}">
+        <p14:creationId xmlns:p14="http://schemas.microsoft.com/office/powerpoint/2010/main" val="368766795"/>
+      </p:ext>
+    </p:extLst>
+  </p:cSld>
+  <p:clrMapOvr>
+    <a:masterClrMapping/>
+  </p:clrMapOvr>
+</p:notes>
+</file>
+
+<file path=ppt/notesSlides/notesSlide12.xml><?xml version="1.0" encoding="utf-8"?>
+<p:notes xmlns:a="http://schemas.openxmlformats.org/drawingml/2006/main" xmlns:r="http://schemas.openxmlformats.org/officeDocument/2006/relationships" xmlns:p="http://schemas.openxmlformats.org/presentationml/2006/main">
+  <p:cSld>
+    <p:spTree>
+      <p:nvGrpSpPr>
+        <p:cNvPr id="1" name=""/>
+        <p:cNvGrpSpPr/>
+        <p:nvPr/>
+      </p:nvGrpSpPr>
+      <p:grpSpPr>
+        <a:xfrm>
+          <a:off x="0" y="0"/>
+          <a:ext cx="0" cy="0"/>
+          <a:chOff x="0" y="0"/>
+          <a:chExt cx="0" cy="0"/>
+        </a:xfrm>
+      </p:grpSpPr>
+      <p:sp>
+        <p:nvSpPr>
+          <p:cNvPr id="2" name="Slide Image Placeholder 1"/>
+          <p:cNvSpPr>
+            <a:spLocks noGrp="1" noRot="1" noChangeAspect="1"/>
+          </p:cNvSpPr>
+          <p:nvPr>
+            <p:ph type="sldImg"/>
+          </p:nvPr>
+        </p:nvSpPr>
+        <p:spPr/>
+      </p:sp>
+      <p:sp>
+        <p:nvSpPr>
+          <p:cNvPr id="3" name="Notes Placeholder 2"/>
+          <p:cNvSpPr>
+            <a:spLocks noGrp="1"/>
+          </p:cNvSpPr>
+          <p:nvPr>
+            <p:ph type="body" idx="1"/>
+          </p:nvPr>
+        </p:nvSpPr>
+        <p:spPr/>
+        <p:txBody>
+          <a:bodyPr/>
+          <a:lstStyle/>
+          <a:p>
+            <a:endParaRPr lang="en-US" dirty="0"/>
+          </a:p>
+        </p:txBody>
+      </p:sp>
+      <p:sp>
+        <p:nvSpPr>
+          <p:cNvPr id="4" name="Slide Number Placeholder 3"/>
+          <p:cNvSpPr>
+            <a:spLocks noGrp="1"/>
+          </p:cNvSpPr>
+          <p:nvPr>
+            <p:ph type="sldNum" sz="quarter" idx="10"/>
+          </p:nvPr>
+        </p:nvSpPr>
+        <p:spPr/>
+        <p:txBody>
+          <a:bodyPr/>
+          <a:lstStyle/>
+          <a:p>
+            <a:fld id="{35F455D7-87FC-9642-BFAF-719C44C24338}" type="slidenum">
+              <a:rPr lang="en-US" smtClean="0"/>
+              <a:t>32</a:t>
             </a:fld>
             <a:endParaRPr lang="en-US"/>
           </a:p>
@@ -1230,7 +1316,7 @@
           <a:p>
             <a:fld id="{35F455D7-87FC-9642-BFAF-719C44C24338}" type="slidenum">
               <a:rPr lang="en-US" smtClean="0"/>
-              <a:t>20</a:t>
+              <a:t>19</a:t>
             </a:fld>
             <a:endParaRPr lang="en-US"/>
           </a:p>
@@ -1239,7 +1325,7 @@
     </p:spTree>
     <p:extLst>
       <p:ext uri="{BB962C8B-B14F-4D97-AF65-F5344CB8AC3E}">
-        <p14:creationId xmlns:p14="http://schemas.microsoft.com/office/powerpoint/2010/main" val="697711215"/>
+        <p14:creationId xmlns:p14="http://schemas.microsoft.com/office/powerpoint/2010/main" val="555093755"/>
       </p:ext>
     </p:extLst>
   </p:cSld>
@@ -1314,7 +1400,7 @@
           <a:p>
             <a:fld id="{35F455D7-87FC-9642-BFAF-719C44C24338}" type="slidenum">
               <a:rPr lang="en-US" smtClean="0"/>
-              <a:t>25</a:t>
+              <a:t>20</a:t>
             </a:fld>
             <a:endParaRPr lang="en-US"/>
           </a:p>
@@ -1323,7 +1409,7 @@
     </p:spTree>
     <p:extLst>
       <p:ext uri="{BB962C8B-B14F-4D97-AF65-F5344CB8AC3E}">
-        <p14:creationId xmlns:p14="http://schemas.microsoft.com/office/powerpoint/2010/main" val="2009398227"/>
+        <p14:creationId xmlns:p14="http://schemas.microsoft.com/office/powerpoint/2010/main" val="697711215"/>
       </p:ext>
     </p:extLst>
   </p:cSld>
@@ -1398,7 +1484,7 @@
           <a:p>
             <a:fld id="{35F455D7-87FC-9642-BFAF-719C44C24338}" type="slidenum">
               <a:rPr lang="en-US" smtClean="0"/>
-              <a:t>26</a:t>
+              <a:t>27</a:t>
             </a:fld>
             <a:endParaRPr lang="en-US"/>
           </a:p>
@@ -1407,7 +1493,7 @@
     </p:spTree>
     <p:extLst>
       <p:ext uri="{BB962C8B-B14F-4D97-AF65-F5344CB8AC3E}">
-        <p14:creationId xmlns:p14="http://schemas.microsoft.com/office/powerpoint/2010/main" val="458431914"/>
+        <p14:creationId xmlns:p14="http://schemas.microsoft.com/office/powerpoint/2010/main" val="2009398227"/>
       </p:ext>
     </p:extLst>
   </p:cSld>
@@ -1482,7 +1568,7 @@
           <a:p>
             <a:fld id="{35F455D7-87FC-9642-BFAF-719C44C24338}" type="slidenum">
               <a:rPr lang="en-US" smtClean="0"/>
-              <a:t>27</a:t>
+              <a:t>28</a:t>
             </a:fld>
             <a:endParaRPr lang="en-US"/>
           </a:p>
@@ -1491,7 +1577,7 @@
     </p:spTree>
     <p:extLst>
       <p:ext uri="{BB962C8B-B14F-4D97-AF65-F5344CB8AC3E}">
-        <p14:creationId xmlns:p14="http://schemas.microsoft.com/office/powerpoint/2010/main" val="682263300"/>
+        <p14:creationId xmlns:p14="http://schemas.microsoft.com/office/powerpoint/2010/main" val="458431914"/>
       </p:ext>
     </p:extLst>
   </p:cSld>
@@ -1727,7 +1813,7 @@
           <a:p>
             <a:fld id="{7560429B-ADF8-BB43-9512-07006C0FD173}" type="datetimeFigureOut">
               <a:rPr lang="en-US" smtClean="0"/>
-              <a:t>10/9/17</a:t>
+              <a:t>10/10/17</a:t>
             </a:fld>
             <a:endParaRPr lang="en-US"/>
           </a:p>
@@ -1930,7 +2016,7 @@
           <a:p>
             <a:fld id="{7560429B-ADF8-BB43-9512-07006C0FD173}" type="datetimeFigureOut">
               <a:rPr lang="en-US" smtClean="0"/>
-              <a:t>10/9/17</a:t>
+              <a:t>10/10/17</a:t>
             </a:fld>
             <a:endParaRPr lang="en-US"/>
           </a:p>
@@ -2181,7 +2267,7 @@
           <a:p>
             <a:fld id="{7560429B-ADF8-BB43-9512-07006C0FD173}" type="datetimeFigureOut">
               <a:rPr lang="en-US" smtClean="0"/>
-              <a:t>10/9/17</a:t>
+              <a:t>10/10/17</a:t>
             </a:fld>
             <a:endParaRPr lang="en-US"/>
           </a:p>
@@ -2387,7 +2473,7 @@
           <a:p>
             <a:fld id="{7560429B-ADF8-BB43-9512-07006C0FD173}" type="datetimeFigureOut">
               <a:rPr lang="en-US" smtClean="0"/>
-              <a:t>10/9/17</a:t>
+              <a:t>10/10/17</a:t>
             </a:fld>
             <a:endParaRPr lang="en-US"/>
           </a:p>
@@ -2725,7 +2811,7 @@
           <a:p>
             <a:fld id="{7560429B-ADF8-BB43-9512-07006C0FD173}" type="datetimeFigureOut">
               <a:rPr lang="en-US" smtClean="0"/>
-              <a:t>10/9/17</a:t>
+              <a:t>10/10/17</a:t>
             </a:fld>
             <a:endParaRPr lang="en-US"/>
           </a:p>
@@ -2995,7 +3081,7 @@
           <a:p>
             <a:fld id="{7560429B-ADF8-BB43-9512-07006C0FD173}" type="datetimeFigureOut">
               <a:rPr lang="en-US" smtClean="0"/>
-              <a:t>10/9/17</a:t>
+              <a:t>10/10/17</a:t>
             </a:fld>
             <a:endParaRPr lang="en-US"/>
           </a:p>
@@ -3369,7 +3455,7 @@
           <a:p>
             <a:fld id="{7560429B-ADF8-BB43-9512-07006C0FD173}" type="datetimeFigureOut">
               <a:rPr lang="en-US" smtClean="0"/>
-              <a:t>10/9/17</a:t>
+              <a:t>10/10/17</a:t>
             </a:fld>
             <a:endParaRPr lang="en-US"/>
           </a:p>
@@ -3482,7 +3568,7 @@
           <a:p>
             <a:fld id="{7560429B-ADF8-BB43-9512-07006C0FD173}" type="datetimeFigureOut">
               <a:rPr lang="en-US" smtClean="0"/>
-              <a:t>10/9/17</a:t>
+              <a:t>10/10/17</a:t>
             </a:fld>
             <a:endParaRPr lang="en-US"/>
           </a:p>
@@ -3648,7 +3734,7 @@
           <a:p>
             <a:fld id="{7560429B-ADF8-BB43-9512-07006C0FD173}" type="datetimeFigureOut">
               <a:rPr lang="en-US" smtClean="0"/>
-              <a:t>10/9/17</a:t>
+              <a:t>10/10/17</a:t>
             </a:fld>
             <a:endParaRPr lang="en-US"/>
           </a:p>
@@ -3997,7 +4083,7 @@
           <a:p>
             <a:fld id="{7560429B-ADF8-BB43-9512-07006C0FD173}" type="datetimeFigureOut">
               <a:rPr lang="en-US" smtClean="0"/>
-              <a:t>10/9/17</a:t>
+              <a:t>10/10/17</a:t>
             </a:fld>
             <a:endParaRPr lang="en-US"/>
           </a:p>
@@ -4369,7 +4455,7 @@
           <a:p>
             <a:fld id="{7560429B-ADF8-BB43-9512-07006C0FD173}" type="datetimeFigureOut">
               <a:rPr lang="en-US" smtClean="0"/>
-              <a:t>10/9/17</a:t>
+              <a:t>10/10/17</a:t>
             </a:fld>
             <a:endParaRPr lang="en-US"/>
           </a:p>
@@ -4651,7 +4737,7 @@
           <a:p>
             <a:fld id="{7560429B-ADF8-BB43-9512-07006C0FD173}" type="datetimeFigureOut">
               <a:rPr lang="en-US" smtClean="0"/>
-              <a:t>10/9/17</a:t>
+              <a:t>10/10/17</a:t>
             </a:fld>
             <a:endParaRPr lang="en-US"/>
           </a:p>
@@ -5970,7 +6056,7 @@
           <a:p>
             <a:r>
               <a:rPr lang="en-US" dirty="0" smtClean="0"/>
-              <a:t>Monkey see, monkey do</a:t>
+              <a:t>See one, do one</a:t>
             </a:r>
             <a:endParaRPr lang="en-US" dirty="0"/>
           </a:p>
@@ -8297,15 +8383,6 @@
                         </a:rPr>
                         <a:t>0.47</a:t>
                       </a:r>
-                      <a:endParaRPr lang="mr-IN" sz="2000" kern="1200" dirty="0" smtClean="0">
-                        <a:solidFill>
-                          <a:schemeClr val="dk1"/>
-                        </a:solidFill>
-                        <a:effectLst/>
-                        <a:latin typeface="Calibri" charset="0"/>
-                        <a:ea typeface="Calibri" charset="0"/>
-                        <a:cs typeface="Calibri" charset="0"/>
-                      </a:endParaRPr>
                     </a:p>
                   </a:txBody>
                   <a:tcPr>
@@ -11832,21 +11909,25 @@
           <a:p>
             <a:r>
               <a:rPr lang="en-US" b="1" dirty="0" smtClean="0"/>
-              <a:t>Assumes samples have the same shape</a:t>
+              <a:t>Assumes samples have the same </a:t>
+            </a:r>
+            <a:r>
+              <a:rPr lang="en-US" b="1" dirty="0" smtClean="0"/>
+              <a:t>shape </a:t>
+            </a:r>
+            <a:r>
+              <a:rPr lang="en-US" dirty="0" smtClean="0"/>
+              <a:t>and detects a </a:t>
+            </a:r>
+            <a:r>
+              <a:rPr lang="en-US" i="1" dirty="0" smtClean="0"/>
+              <a:t>shift</a:t>
+            </a:r>
+            <a:r>
+              <a:rPr lang="en-US" dirty="0" smtClean="0"/>
+              <a:t> between distributions.</a:t>
             </a:r>
             <a:endParaRPr lang="en-US" dirty="0" smtClean="0"/>
-          </a:p>
-          <a:p>
-            <a:pPr lvl="1"/>
-            <a:r>
-              <a:rPr lang="en-US" dirty="0" smtClean="0"/>
-              <a:t>People tend to overlook this fact</a:t>
-            </a:r>
-            <a:r>
-              <a:rPr lang="mr-IN" dirty="0" smtClean="0"/>
-              <a:t>…</a:t>
-            </a:r>
-            <a:endParaRPr lang="en-US" dirty="0"/>
           </a:p>
         </p:txBody>
       </p:sp>
@@ -11858,8 +11939,8 @@
         </p:nvSpPr>
         <p:spPr>
           <a:xfrm>
-            <a:off x="1939962" y="4761098"/>
-            <a:ext cx="8871473" cy="1107996"/>
+            <a:off x="1506072" y="5484830"/>
+            <a:ext cx="13016752" cy="1200329"/>
           </a:xfrm>
           <a:prstGeom prst="rect">
             <a:avLst/>
@@ -11873,46 +11954,103 @@
           <a:lstStyle/>
           <a:p>
             <a:r>
-              <a:rPr lang="en-US" sz="2200" dirty="0" smtClean="0"/>
+              <a:rPr lang="en-US" sz="2400" dirty="0" smtClean="0"/>
               <a:t>H</a:t>
             </a:r>
             <a:r>
-              <a:rPr lang="en-US" sz="2200" baseline="-25000" dirty="0" smtClean="0"/>
+              <a:rPr lang="en-US" sz="2400" baseline="-25000" dirty="0" smtClean="0"/>
               <a:t>0</a:t>
             </a:r>
             <a:r>
-              <a:rPr lang="en-US" sz="2200" dirty="0" smtClean="0"/>
-              <a:t>: Sample 1 and sample 2 have the same underlying distribution</a:t>
-            </a:r>
-          </a:p>
-          <a:p>
-            <a:r>
-              <a:rPr lang="en-US" sz="2200" dirty="0" smtClean="0"/>
+              <a:rPr lang="en-US" sz="2400" dirty="0" smtClean="0"/>
+              <a:t>: </a:t>
+            </a:r>
+            <a:r>
+              <a:rPr lang="en-US" sz="2400" dirty="0" smtClean="0"/>
+              <a:t>Sample </a:t>
+            </a:r>
+            <a:r>
+              <a:rPr lang="en-US" sz="2400" dirty="0" smtClean="0"/>
+              <a:t>1 and sample 2 </a:t>
+            </a:r>
+            <a:r>
+              <a:rPr lang="en-US" sz="2400" dirty="0" smtClean="0"/>
+              <a:t>have the same underlyin</a:t>
+            </a:r>
+            <a:r>
+              <a:rPr lang="en-US" sz="2400" dirty="0" smtClean="0"/>
+              <a:t>g distribution location.</a:t>
+            </a:r>
+            <a:endParaRPr lang="en-US" sz="2400" dirty="0" smtClean="0"/>
+          </a:p>
+          <a:p>
+            <a:r>
+              <a:rPr lang="en-US" sz="2400" dirty="0" smtClean="0"/>
               <a:t>H</a:t>
             </a:r>
             <a:r>
-              <a:rPr lang="en-US" sz="2200" baseline="-25000" dirty="0" smtClean="0"/>
+              <a:rPr lang="en-US" sz="2400" baseline="-25000" dirty="0" smtClean="0"/>
               <a:t>A</a:t>
             </a:r>
             <a:r>
-              <a:rPr lang="en-US" sz="2200" dirty="0" smtClean="0"/>
+              <a:rPr lang="en-US" sz="2400" dirty="0" smtClean="0"/>
               <a:t>: </a:t>
             </a:r>
             <a:r>
-              <a:rPr lang="en-US" sz="2200" dirty="0"/>
+              <a:rPr lang="en-US" sz="2400" dirty="0"/>
               <a:t>Sample 1 and sample 2 have </a:t>
             </a:r>
             <a:r>
-              <a:rPr lang="en-US" sz="2200" dirty="0" smtClean="0"/>
-              <a:t>different underlying distributions</a:t>
-            </a:r>
-            <a:endParaRPr lang="en-US" sz="2200" dirty="0"/>
-          </a:p>
-          <a:p>
-            <a:endParaRPr lang="en-US" sz="2200" dirty="0"/>
+              <a:rPr lang="en-US" sz="2400" dirty="0" smtClean="0"/>
+              <a:t>different (</a:t>
+            </a:r>
+            <a:r>
+              <a:rPr lang="en-US" sz="2400" dirty="0" smtClean="0"/>
+              <a:t>&gt;/&lt;)</a:t>
+            </a:r>
+            <a:r>
+              <a:rPr lang="en-US" sz="2400" dirty="0" smtClean="0"/>
+              <a:t> </a:t>
+            </a:r>
+            <a:r>
+              <a:rPr lang="en-US" sz="2400" dirty="0" smtClean="0"/>
+              <a:t>underlying </a:t>
+            </a:r>
+            <a:r>
+              <a:rPr lang="en-US" sz="2400" dirty="0" smtClean="0"/>
+              <a:t>distribution location.</a:t>
+            </a:r>
+            <a:endParaRPr lang="en-US" sz="2400" dirty="0"/>
+          </a:p>
+          <a:p>
+            <a:endParaRPr lang="en-US" sz="2400" dirty="0"/>
           </a:p>
         </p:txBody>
       </p:sp>
+      <p:pic>
+        <p:nvPicPr>
+          <p:cNvPr id="5" name="Picture 4"/>
+          <p:cNvPicPr>
+            <a:picLocks noChangeAspect="1"/>
+          </p:cNvPicPr>
+          <p:nvPr/>
+        </p:nvPicPr>
+        <p:blipFill>
+          <a:blip r:embed="rId3"/>
+          <a:stretch>
+            <a:fillRect/>
+          </a:stretch>
+        </p:blipFill>
+        <p:spPr>
+          <a:xfrm>
+            <a:off x="6433298" y="3710094"/>
+            <a:ext cx="4991100" cy="1727200"/>
+          </a:xfrm>
+          <a:prstGeom prst="rect">
+            <a:avLst/>
+          </a:prstGeom>
+        </p:spPr>
+      </p:pic>
     </p:spTree>
     <p:extLst>
       <p:ext uri="{BB962C8B-B14F-4D97-AF65-F5344CB8AC3E}">
@@ -12126,8 +12264,8 @@
           </a:p>
         </p:txBody>
       </p:sp>
-      <mc:AlternateContent xmlns:mc="http://schemas.openxmlformats.org/markup-compatibility/2006">
-        <mc:Choice xmlns:a14="http://schemas.microsoft.com/office/drawing/2010/main" Requires="a14">
+      <mc:AlternateContent xmlns:mc="http://schemas.openxmlformats.org/markup-compatibility/2006" xmlns:a14="http://schemas.microsoft.com/office/drawing/2010/main">
+        <mc:Choice Requires="a14">
           <p:sp>
             <p:nvSpPr>
               <p:cNvPr id="3" name="Content Placeholder 2"/>
@@ -12592,7 +12730,7 @@
             </p:txBody>
           </p:sp>
         </mc:Choice>
-        <mc:Fallback>
+        <mc:Fallback xmlns="">
           <p:sp>
             <p:nvSpPr>
               <p:cNvPr id="3" name="Content Placeholder 2"/>
@@ -12752,14 +12890,14 @@
           <p:nvPr>
             <p:extLst>
               <p:ext uri="{D42A27DB-BD31-4B8C-83A1-F6EECF244321}">
-                <p14:modId xmlns:p14="http://schemas.microsoft.com/office/powerpoint/2010/main" val="947027769"/>
+                <p14:modId xmlns:p14="http://schemas.microsoft.com/office/powerpoint/2010/main" val="261962033"/>
               </p:ext>
             </p:extLst>
           </p:nvPr>
         </p:nvGraphicFramePr>
         <p:xfrm>
-          <a:off x="4939851" y="2797106"/>
-          <a:ext cx="1966260" cy="3391998"/>
+          <a:off x="7144870" y="2771300"/>
+          <a:ext cx="1966260" cy="3957331"/>
         </p:xfrm>
         <a:graphic>
           <a:graphicData uri="http://schemas.openxmlformats.org/drawingml/2006/table">
@@ -12991,120 +13129,6 @@
                       <a:r>
                         <a:rPr lang="en-US" sz="2400" b="1" dirty="0" smtClean="0">
                           <a:solidFill>
-                            <a:schemeClr val="accent4">
-                              <a:lumMod val="75000"/>
-                            </a:schemeClr>
-                          </a:solidFill>
-                        </a:rPr>
-                        <a:t>11</a:t>
-                      </a:r>
-                      <a:endParaRPr lang="en-US" sz="2400" b="1" dirty="0">
-                        <a:solidFill>
-                          <a:schemeClr val="accent4">
-                            <a:lumMod val="75000"/>
-                          </a:schemeClr>
-                        </a:solidFill>
-                      </a:endParaRPr>
-                    </a:p>
-                  </a:txBody>
-                  <a:tcPr>
-                    <a:lnR w="12700" cap="flat" cmpd="sng" algn="ctr">
-                      <a:solidFill>
-                        <a:schemeClr val="tx1"/>
-                      </a:solidFill>
-                      <a:prstDash val="solid"/>
-                      <a:round/>
-                      <a:headEnd type="none" w="med" len="med"/>
-                      <a:tailEnd type="none" w="med" len="med"/>
-                    </a:lnR>
-                    <a:lnT w="12700" cap="flat" cmpd="sng" algn="ctr">
-                      <a:solidFill>
-                        <a:schemeClr val="tx1"/>
-                      </a:solidFill>
-                      <a:prstDash val="solid"/>
-                      <a:round/>
-                      <a:headEnd type="none" w="med" len="med"/>
-                      <a:tailEnd type="none" w="med" len="med"/>
-                    </a:lnT>
-                    <a:lnB w="12700" cap="flat" cmpd="sng" algn="ctr">
-                      <a:solidFill>
-                        <a:schemeClr val="tx1"/>
-                      </a:solidFill>
-                      <a:prstDash val="solid"/>
-                      <a:round/>
-                      <a:headEnd type="none" w="med" len="med"/>
-                      <a:tailEnd type="none" w="med" len="med"/>
-                    </a:lnB>
-                    <a:noFill/>
-                  </a:tcPr>
-                </a:tc>
-                <a:tc>
-                  <a:txBody>
-                    <a:bodyPr/>
-                    <a:lstStyle/>
-                    <a:p>
-                      <a:pPr algn="ctr"/>
-                      <a:r>
-                        <a:rPr lang="en-US" sz="2400" b="1" dirty="0" smtClean="0">
-                          <a:solidFill>
-                            <a:schemeClr val="accent4">
-                              <a:lumMod val="75000"/>
-                            </a:schemeClr>
-                          </a:solidFill>
-                        </a:rPr>
-                        <a:t>3</a:t>
-                      </a:r>
-                      <a:endParaRPr lang="en-US" sz="2400" b="1" dirty="0">
-                        <a:solidFill>
-                          <a:schemeClr val="accent4">
-                            <a:lumMod val="75000"/>
-                          </a:schemeClr>
-                        </a:solidFill>
-                      </a:endParaRPr>
-                    </a:p>
-                  </a:txBody>
-                  <a:tcPr>
-                    <a:lnL w="12700" cap="flat" cmpd="sng" algn="ctr">
-                      <a:solidFill>
-                        <a:schemeClr val="tx1"/>
-                      </a:solidFill>
-                      <a:prstDash val="solid"/>
-                      <a:round/>
-                      <a:headEnd type="none" w="med" len="med"/>
-                      <a:tailEnd type="none" w="med" len="med"/>
-                    </a:lnL>
-                    <a:lnT w="12700" cap="flat" cmpd="sng" algn="ctr">
-                      <a:solidFill>
-                        <a:schemeClr val="tx1"/>
-                      </a:solidFill>
-                      <a:prstDash val="solid"/>
-                      <a:round/>
-                      <a:headEnd type="none" w="med" len="med"/>
-                      <a:tailEnd type="none" w="med" len="med"/>
-                    </a:lnT>
-                    <a:lnB w="12700" cap="flat" cmpd="sng" algn="ctr">
-                      <a:solidFill>
-                        <a:schemeClr val="tx1"/>
-                      </a:solidFill>
-                      <a:prstDash val="solid"/>
-                      <a:round/>
-                      <a:headEnd type="none" w="med" len="med"/>
-                      <a:tailEnd type="none" w="med" len="med"/>
-                    </a:lnB>
-                    <a:noFill/>
-                  </a:tcPr>
-                </a:tc>
-              </a:tr>
-              <a:tr h="565333">
-                <a:tc>
-                  <a:txBody>
-                    <a:bodyPr/>
-                    <a:lstStyle/>
-                    <a:p>
-                      <a:pPr algn="ctr"/>
-                      <a:r>
-                        <a:rPr lang="en-US" sz="2400" b="1" dirty="0" smtClean="0">
-                          <a:solidFill>
                             <a:schemeClr val="accent1">
                               <a:lumMod val="75000"/>
                             </a:schemeClr>
@@ -13166,7 +13190,7 @@
                             </a:schemeClr>
                           </a:solidFill>
                         </a:rPr>
-                        <a:t>4</a:t>
+                        <a:t>3</a:t>
                       </a:r>
                       <a:endParaRPr lang="en-US" sz="2400" b="1" dirty="0">
                         <a:solidFill>
@@ -13280,7 +13304,7 @@
                             </a:schemeClr>
                           </a:solidFill>
                         </a:rPr>
-                        <a:t>5</a:t>
+                        <a:t>4</a:t>
                       </a:r>
                       <a:endParaRPr lang="en-US" sz="2400" b="1" dirty="0">
                         <a:solidFill>
@@ -13368,6 +13392,15 @@
                       <a:headEnd type="none" w="med" len="med"/>
                       <a:tailEnd type="none" w="med" len="med"/>
                     </a:lnT>
+                    <a:lnB w="12700" cap="flat" cmpd="sng" algn="ctr">
+                      <a:solidFill>
+                        <a:schemeClr val="tx1"/>
+                      </a:solidFill>
+                      <a:prstDash val="solid"/>
+                      <a:round/>
+                      <a:headEnd type="none" w="med" len="med"/>
+                      <a:tailEnd type="none" w="med" len="med"/>
+                    </a:lnB>
                     <a:noFill/>
                   </a:tcPr>
                 </a:tc>
@@ -13385,11 +13418,230 @@
                             </a:schemeClr>
                           </a:solidFill>
                         </a:rPr>
+                        <a:t>5</a:t>
+                      </a:r>
+                      <a:endParaRPr lang="en-US" sz="2400" b="1" dirty="0">
+                        <a:solidFill>
+                          <a:schemeClr val="accent1">
+                            <a:lumMod val="75000"/>
+                          </a:schemeClr>
+                        </a:solidFill>
+                      </a:endParaRPr>
+                    </a:p>
+                  </a:txBody>
+                  <a:tcPr>
+                    <a:lnL w="12700" cap="flat" cmpd="sng" algn="ctr">
+                      <a:solidFill>
+                        <a:schemeClr val="tx1"/>
+                      </a:solidFill>
+                      <a:prstDash val="solid"/>
+                      <a:round/>
+                      <a:headEnd type="none" w="med" len="med"/>
+                      <a:tailEnd type="none" w="med" len="med"/>
+                    </a:lnL>
+                    <a:lnT w="12700" cap="flat" cmpd="sng" algn="ctr">
+                      <a:solidFill>
+                        <a:schemeClr val="tx1"/>
+                      </a:solidFill>
+                      <a:prstDash val="solid"/>
+                      <a:round/>
+                      <a:headEnd type="none" w="med" len="med"/>
+                      <a:tailEnd type="none" w="med" len="med"/>
+                    </a:lnT>
+                    <a:lnB w="12700" cap="flat" cmpd="sng" algn="ctr">
+                      <a:solidFill>
+                        <a:schemeClr val="tx1"/>
+                      </a:solidFill>
+                      <a:prstDash val="solid"/>
+                      <a:round/>
+                      <a:headEnd type="none" w="med" len="med"/>
+                      <a:tailEnd type="none" w="med" len="med"/>
+                    </a:lnB>
+                    <a:noFill/>
+                  </a:tcPr>
+                </a:tc>
+              </a:tr>
+              <a:tr h="565333">
+                <a:tc>
+                  <a:txBody>
+                    <a:bodyPr/>
+                    <a:lstStyle/>
+                    <a:p>
+                      <a:pPr algn="ctr"/>
+                      <a:r>
+                        <a:rPr lang="en-US" sz="2400" b="1" dirty="0" smtClean="0">
+                          <a:solidFill>
+                            <a:schemeClr val="accent4">
+                              <a:lumMod val="75000"/>
+                            </a:schemeClr>
+                          </a:solidFill>
+                        </a:rPr>
+                        <a:t>22</a:t>
+                      </a:r>
+                      <a:endParaRPr lang="en-US" sz="2400" b="1" dirty="0">
+                        <a:solidFill>
+                          <a:schemeClr val="accent4">
+                            <a:lumMod val="75000"/>
+                          </a:schemeClr>
+                        </a:solidFill>
+                      </a:endParaRPr>
+                    </a:p>
+                  </a:txBody>
+                  <a:tcPr>
+                    <a:lnR w="12700" cap="flat" cmpd="sng" algn="ctr">
+                      <a:solidFill>
+                        <a:schemeClr val="tx1"/>
+                      </a:solidFill>
+                      <a:prstDash val="solid"/>
+                      <a:round/>
+                      <a:headEnd type="none" w="med" len="med"/>
+                      <a:tailEnd type="none" w="med" len="med"/>
+                    </a:lnR>
+                    <a:lnT w="12700" cap="flat" cmpd="sng" algn="ctr">
+                      <a:solidFill>
+                        <a:schemeClr val="tx1"/>
+                      </a:solidFill>
+                      <a:prstDash val="solid"/>
+                      <a:round/>
+                      <a:headEnd type="none" w="med" len="med"/>
+                      <a:tailEnd type="none" w="med" len="med"/>
+                    </a:lnT>
+                    <a:lnB w="12700" cap="flat" cmpd="sng" algn="ctr">
+                      <a:solidFill>
+                        <a:schemeClr val="tx1"/>
+                      </a:solidFill>
+                      <a:prstDash val="solid"/>
+                      <a:round/>
+                      <a:headEnd type="none" w="med" len="med"/>
+                      <a:tailEnd type="none" w="med" len="med"/>
+                    </a:lnB>
+                    <a:noFill/>
+                  </a:tcPr>
+                </a:tc>
+                <a:tc>
+                  <a:txBody>
+                    <a:bodyPr/>
+                    <a:lstStyle/>
+                    <a:p>
+                      <a:pPr algn="ctr"/>
+                      <a:r>
+                        <a:rPr lang="en-US" sz="2400" b="1" dirty="0" smtClean="0">
+                          <a:solidFill>
+                            <a:schemeClr val="accent4">
+                              <a:lumMod val="75000"/>
+                            </a:schemeClr>
+                          </a:solidFill>
+                        </a:rPr>
                         <a:t>6</a:t>
                       </a:r>
                       <a:endParaRPr lang="en-US" sz="2400" b="1" dirty="0">
                         <a:solidFill>
-                          <a:schemeClr val="accent1">
+                          <a:schemeClr val="accent4">
+                            <a:lumMod val="75000"/>
+                          </a:schemeClr>
+                        </a:solidFill>
+                      </a:endParaRPr>
+                    </a:p>
+                  </a:txBody>
+                  <a:tcPr>
+                    <a:lnL w="12700" cap="flat" cmpd="sng" algn="ctr">
+                      <a:solidFill>
+                        <a:schemeClr val="tx1"/>
+                      </a:solidFill>
+                      <a:prstDash val="solid"/>
+                      <a:round/>
+                      <a:headEnd type="none" w="med" len="med"/>
+                      <a:tailEnd type="none" w="med" len="med"/>
+                    </a:lnL>
+                    <a:lnT w="12700" cap="flat" cmpd="sng" algn="ctr">
+                      <a:solidFill>
+                        <a:schemeClr val="tx1"/>
+                      </a:solidFill>
+                      <a:prstDash val="solid"/>
+                      <a:round/>
+                      <a:headEnd type="none" w="med" len="med"/>
+                      <a:tailEnd type="none" w="med" len="med"/>
+                    </a:lnT>
+                    <a:lnB w="12700" cap="flat" cmpd="sng" algn="ctr">
+                      <a:solidFill>
+                        <a:schemeClr val="tx1"/>
+                      </a:solidFill>
+                      <a:prstDash val="solid"/>
+                      <a:round/>
+                      <a:headEnd type="none" w="med" len="med"/>
+                      <a:tailEnd type="none" w="med" len="med"/>
+                    </a:lnB>
+                    <a:noFill/>
+                  </a:tcPr>
+                </a:tc>
+              </a:tr>
+              <a:tr h="565333">
+                <a:tc>
+                  <a:txBody>
+                    <a:bodyPr/>
+                    <a:lstStyle/>
+                    <a:p>
+                      <a:pPr algn="ctr"/>
+                      <a:r>
+                        <a:rPr lang="en-US" sz="2400" b="1" dirty="0" smtClean="0">
+                          <a:solidFill>
+                            <a:schemeClr val="accent4">
+                              <a:lumMod val="75000"/>
+                            </a:schemeClr>
+                          </a:solidFill>
+                        </a:rPr>
+                        <a:t>28</a:t>
+                      </a:r>
+                      <a:endParaRPr lang="en-US" sz="2400" b="1" dirty="0">
+                        <a:solidFill>
+                          <a:schemeClr val="accent4">
+                            <a:lumMod val="75000"/>
+                          </a:schemeClr>
+                        </a:solidFill>
+                      </a:endParaRPr>
+                    </a:p>
+                  </a:txBody>
+                  <a:tcPr>
+                    <a:lnR w="12700" cap="flat" cmpd="sng" algn="ctr">
+                      <a:solidFill>
+                        <a:schemeClr val="tx1"/>
+                      </a:solidFill>
+                      <a:prstDash val="solid"/>
+                      <a:round/>
+                      <a:headEnd type="none" w="med" len="med"/>
+                      <a:tailEnd type="none" w="med" len="med"/>
+                    </a:lnR>
+                    <a:lnT w="12700" cap="flat" cmpd="sng" algn="ctr">
+                      <a:solidFill>
+                        <a:schemeClr val="tx1"/>
+                      </a:solidFill>
+                      <a:prstDash val="solid"/>
+                      <a:round/>
+                      <a:headEnd type="none" w="med" len="med"/>
+                      <a:tailEnd type="none" w="med" len="med"/>
+                    </a:lnT>
+                    <a:noFill/>
+                  </a:tcPr>
+                </a:tc>
+                <a:tc>
+                  <a:txBody>
+                    <a:bodyPr/>
+                    <a:lstStyle/>
+                    <a:p>
+                      <a:pPr algn="ctr"/>
+                      <a:r>
+                        <a:rPr lang="en-US" sz="2400" b="1" dirty="0" smtClean="0">
+                          <a:solidFill>
+                            <a:schemeClr val="accent4">
+                              <a:lumMod val="75000"/>
+                            </a:schemeClr>
+                          </a:solidFill>
+                        </a:rPr>
+                        <a:t>7</a:t>
+                      </a:r>
+                      <a:endParaRPr lang="en-US" sz="2400" b="1" dirty="0">
+                        <a:solidFill>
+                          <a:schemeClr val="accent4">
                             <a:lumMod val="75000"/>
                           </a:schemeClr>
                         </a:solidFill>
@@ -13431,7 +13683,7 @@
         </p:nvSpPr>
         <p:spPr>
           <a:xfrm>
-            <a:off x="4700494" y="1916786"/>
+            <a:off x="6892962" y="1866102"/>
             <a:ext cx="3818965" cy="1200329"/>
           </a:xfrm>
           <a:prstGeom prst="rect">
@@ -13453,8 +13705,25 @@
                   </a:schemeClr>
                 </a:solidFill>
               </a:rPr>
-              <a:t>R1 = 1+4+6 = 11</a:t>
-            </a:r>
+              <a:t>R1 = </a:t>
+            </a:r>
+            <a:r>
+              <a:rPr lang="en-US" sz="2400" b="1" dirty="0" smtClean="0">
+                <a:solidFill>
+                  <a:schemeClr val="accent1">
+                    <a:lumMod val="75000"/>
+                  </a:schemeClr>
+                </a:solidFill>
+              </a:rPr>
+              <a:t>1+3+5 = 9</a:t>
+            </a:r>
+            <a:endParaRPr lang="en-US" sz="2400" b="1" dirty="0">
+              <a:solidFill>
+                <a:schemeClr val="accent1">
+                  <a:lumMod val="75000"/>
+                </a:schemeClr>
+              </a:solidFill>
+            </a:endParaRPr>
           </a:p>
           <a:p>
             <a:r>
@@ -13465,8 +13734,45 @@
                   </a:schemeClr>
                 </a:solidFill>
               </a:rPr>
-              <a:t>R2 = 2+3+5 = 10</a:t>
-            </a:r>
+              <a:t>R2 = </a:t>
+            </a:r>
+            <a:r>
+              <a:rPr lang="en-US" sz="2400" b="1" dirty="0" smtClean="0">
+                <a:solidFill>
+                  <a:schemeClr val="accent4">
+                    <a:lumMod val="75000"/>
+                  </a:schemeClr>
+                </a:solidFill>
+              </a:rPr>
+              <a:t>2+4+6+7 </a:t>
+            </a:r>
+            <a:r>
+              <a:rPr lang="en-US" sz="2400" b="1" dirty="0">
+                <a:solidFill>
+                  <a:schemeClr val="accent4">
+                    <a:lumMod val="75000"/>
+                  </a:schemeClr>
+                </a:solidFill>
+              </a:rPr>
+              <a:t>= </a:t>
+            </a:r>
+            <a:r>
+              <a:rPr lang="en-US" sz="2400" b="1" dirty="0" smtClean="0">
+                <a:solidFill>
+                  <a:schemeClr val="accent4">
+                    <a:lumMod val="75000"/>
+                  </a:schemeClr>
+                </a:solidFill>
+              </a:rPr>
+              <a:t>19</a:t>
+            </a:r>
+            <a:endParaRPr lang="en-US" sz="2400" b="1" dirty="0">
+              <a:solidFill>
+                <a:schemeClr val="accent4">
+                  <a:lumMod val="75000"/>
+                </a:schemeClr>
+              </a:solidFill>
+            </a:endParaRPr>
           </a:p>
           <a:p>
             <a:endParaRPr lang="en-US" sz="2400" dirty="0"/>
@@ -13482,7 +13788,7 @@
         <p:spPr>
           <a:xfrm>
             <a:off x="1308847" y="1885027"/>
-            <a:ext cx="2904565" cy="1200329"/>
+            <a:ext cx="3539565" cy="1200329"/>
           </a:xfrm>
           <a:prstGeom prst="rect">
             <a:avLst/>
@@ -13515,8 +13821,55 @@
                   </a:schemeClr>
                 </a:solidFill>
               </a:rPr>
-              <a:t>Sample 2: 11, 10, 16</a:t>
-            </a:r>
+              <a:t>Sample 2: </a:t>
+            </a:r>
+            <a:r>
+              <a:rPr lang="en-US" sz="2400" b="1" dirty="0" smtClean="0">
+                <a:solidFill>
+                  <a:schemeClr val="accent4">
+                    <a:lumMod val="75000"/>
+                  </a:schemeClr>
+                </a:solidFill>
+              </a:rPr>
+              <a:t>22</a:t>
+            </a:r>
+            <a:r>
+              <a:rPr lang="en-US" sz="2400" b="1" dirty="0" smtClean="0">
+                <a:solidFill>
+                  <a:schemeClr val="accent4">
+                    <a:lumMod val="75000"/>
+                  </a:schemeClr>
+                </a:solidFill>
+              </a:rPr>
+              <a:t>, </a:t>
+            </a:r>
+            <a:r>
+              <a:rPr lang="en-US" sz="2400" b="1" dirty="0">
+                <a:solidFill>
+                  <a:schemeClr val="accent4">
+                    <a:lumMod val="75000"/>
+                  </a:schemeClr>
+                </a:solidFill>
+              </a:rPr>
+              <a:t>10, </a:t>
+            </a:r>
+            <a:r>
+              <a:rPr lang="en-US" sz="2400" b="1" dirty="0" smtClean="0">
+                <a:solidFill>
+                  <a:schemeClr val="accent4">
+                    <a:lumMod val="75000"/>
+                  </a:schemeClr>
+                </a:solidFill>
+              </a:rPr>
+              <a:t>16, 28</a:t>
+            </a:r>
+            <a:endParaRPr lang="en-US" sz="2400" b="1" dirty="0">
+              <a:solidFill>
+                <a:schemeClr val="accent4">
+                  <a:lumMod val="75000"/>
+                </a:schemeClr>
+              </a:solidFill>
+            </a:endParaRPr>
           </a:p>
           <a:p>
             <a:endParaRPr lang="en-US" sz="2400" dirty="0"/>
@@ -13675,7 +14028,17 @@
                   </a:schemeClr>
                 </a:solidFill>
               </a:rPr>
-              <a:t>    = 11 </a:t>
+              <a:t>    = </a:t>
+            </a:r>
+            <a:r>
+              <a:rPr lang="en-US" sz="2200" b="1" dirty="0" smtClean="0">
+                <a:solidFill>
+                  <a:schemeClr val="accent1">
+                    <a:lumMod val="75000"/>
+                  </a:schemeClr>
+                </a:solidFill>
+              </a:rPr>
+              <a:t>9 </a:t>
             </a:r>
             <a:r>
               <a:rPr lang="mr-IN" sz="2200" b="1" dirty="0" smtClean="0">
@@ -13695,8 +14058,35 @@
                   </a:schemeClr>
                 </a:solidFill>
               </a:rPr>
-              <a:t> [3(4)/2] = 5</a:t>
-            </a:r>
+              <a:t> </a:t>
+            </a:r>
+            <a:r>
+              <a:rPr lang="en-US" sz="2200" b="1" dirty="0" smtClean="0">
+                <a:solidFill>
+                  <a:schemeClr val="accent1">
+                    <a:lumMod val="75000"/>
+                  </a:schemeClr>
+                </a:solidFill>
+              </a:rPr>
+              <a:t>[3(4)/2] = </a:t>
+            </a:r>
+            <a:r>
+              <a:rPr lang="en-US" sz="2200" b="1" dirty="0" smtClean="0">
+                <a:solidFill>
+                  <a:schemeClr val="accent1">
+                    <a:lumMod val="75000"/>
+                  </a:schemeClr>
+                </a:solidFill>
+              </a:rPr>
+              <a:t>3</a:t>
+            </a:r>
+            <a:endParaRPr lang="en-US" sz="2200" b="1" dirty="0" smtClean="0">
+              <a:solidFill>
+                <a:schemeClr val="accent1">
+                  <a:lumMod val="75000"/>
+                </a:schemeClr>
+              </a:solidFill>
+            </a:endParaRPr>
           </a:p>
           <a:p>
             <a:endParaRPr lang="en-US" sz="2200" b="1" dirty="0"/>
@@ -13829,8 +14219,65 @@
                   </a:schemeClr>
                 </a:solidFill>
               </a:rPr>
-              <a:t>    = 3*3  - 5 = 4</a:t>
-            </a:r>
+              <a:t>    = </a:t>
+            </a:r>
+            <a:r>
+              <a:rPr lang="en-US" sz="2200" b="1" dirty="0" smtClean="0">
+                <a:solidFill>
+                  <a:schemeClr val="accent4">
+                    <a:lumMod val="75000"/>
+                  </a:schemeClr>
+                </a:solidFill>
+              </a:rPr>
+              <a:t>3*4  </a:t>
+            </a:r>
+            <a:r>
+              <a:rPr lang="en-US" sz="2200" b="1" dirty="0" smtClean="0">
+                <a:solidFill>
+                  <a:schemeClr val="accent4">
+                    <a:lumMod val="75000"/>
+                  </a:schemeClr>
+                </a:solidFill>
+              </a:rPr>
+              <a:t>- </a:t>
+            </a:r>
+            <a:r>
+              <a:rPr lang="en-US" sz="2200" b="1" dirty="0" smtClean="0">
+                <a:solidFill>
+                  <a:schemeClr val="accent4">
+                    <a:lumMod val="75000"/>
+                  </a:schemeClr>
+                </a:solidFill>
+              </a:rPr>
+              <a:t>3 </a:t>
+            </a:r>
+            <a:r>
+              <a:rPr lang="en-US" sz="2200" b="1" dirty="0" smtClean="0">
+                <a:solidFill>
+                  <a:schemeClr val="accent4">
+                    <a:lumMod val="75000"/>
+                  </a:schemeClr>
+                </a:solidFill>
+              </a:rPr>
+              <a:t>= </a:t>
+            </a:r>
+            <a:r>
+              <a:rPr lang="en-US" sz="2200" b="1" dirty="0" smtClean="0">
+                <a:solidFill>
+                  <a:schemeClr val="accent4">
+                    <a:lumMod val="75000"/>
+                  </a:schemeClr>
+                </a:solidFill>
+              </a:rPr>
+              <a:t>9</a:t>
+            </a:r>
+            <a:endParaRPr lang="en-US" sz="2200" b="1" dirty="0" smtClean="0">
+              <a:solidFill>
+                <a:schemeClr val="accent4">
+                  <a:lumMod val="75000"/>
+                </a:schemeClr>
+              </a:solidFill>
+            </a:endParaRPr>
           </a:p>
         </p:txBody>
       </p:sp>
@@ -13888,8 +14335,29 @@
                 <a:ea typeface="Monaco" charset="0"/>
                 <a:cs typeface="Monaco" charset="0"/>
               </a:rPr>
-              <a:t>(4, 3, 3)</a:t>
-            </a:r>
+              <a:t>(3, </a:t>
+            </a:r>
+            <a:r>
+              <a:rPr lang="en-US" sz="2200" dirty="0" smtClean="0">
+                <a:latin typeface="Monaco" charset="0"/>
+                <a:ea typeface="Monaco" charset="0"/>
+                <a:cs typeface="Monaco" charset="0"/>
+              </a:rPr>
+              <a:t>3, </a:t>
+            </a:r>
+            <a:r>
+              <a:rPr lang="en-US" sz="2200" dirty="0" smtClean="0">
+                <a:latin typeface="Monaco" charset="0"/>
+                <a:ea typeface="Monaco" charset="0"/>
+                <a:cs typeface="Monaco" charset="0"/>
+              </a:rPr>
+              <a:t>4)</a:t>
+            </a:r>
+            <a:endParaRPr lang="en-US" sz="2200" dirty="0" smtClean="0">
+              <a:latin typeface="Monaco" charset="0"/>
+              <a:ea typeface="Monaco" charset="0"/>
+              <a:cs typeface="Monaco" charset="0"/>
+            </a:endParaRPr>
           </a:p>
           <a:p>
             <a:r>
@@ -13898,8 +14366,29 @@
                 <a:ea typeface="Monaco" charset="0"/>
                 <a:cs typeface="Monaco" charset="0"/>
               </a:rPr>
-              <a:t>[1] 0.5</a:t>
-            </a:r>
+              <a:t>[1] </a:t>
+            </a:r>
+            <a:r>
+              <a:rPr lang="mr-IN" sz="2200" dirty="0" smtClean="0">
+                <a:latin typeface="Monaco" charset="0"/>
+                <a:ea typeface="Monaco" charset="0"/>
+                <a:cs typeface="Monaco" charset="0"/>
+              </a:rPr>
+              <a:t>0.</a:t>
+            </a:r>
+            <a:r>
+              <a:rPr lang="en-US" sz="2200" dirty="0" smtClean="0">
+                <a:latin typeface="Monaco" charset="0"/>
+                <a:ea typeface="Monaco" charset="0"/>
+                <a:cs typeface="Monaco" charset="0"/>
+              </a:rPr>
+              <a:t>2</a:t>
+            </a:r>
+            <a:endParaRPr lang="mr-IN" sz="2200" dirty="0">
+              <a:latin typeface="Monaco" charset="0"/>
+              <a:ea typeface="Monaco" charset="0"/>
+              <a:cs typeface="Monaco" charset="0"/>
+            </a:endParaRPr>
           </a:p>
           <a:p>
             <a:endParaRPr lang="en-US" dirty="0"/>
@@ -13982,8 +14471,8 @@
         </p:nvSpPr>
         <p:spPr>
           <a:xfrm>
-            <a:off x="537883" y="2235129"/>
-            <a:ext cx="12856284" cy="3785652"/>
+            <a:off x="143436" y="2199270"/>
+            <a:ext cx="12856284" cy="4093428"/>
           </a:xfrm>
           <a:prstGeom prst="rect">
             <a:avLst/>
@@ -13997,7 +14486,7 @@
           <a:lstStyle/>
           <a:p>
             <a:r>
-              <a:rPr lang="en-US" sz="2400" dirty="0">
+              <a:rPr lang="en-US" sz="2500" dirty="0">
                 <a:latin typeface="Monaco" charset="0"/>
                 <a:ea typeface="Monaco" charset="0"/>
                 <a:cs typeface="Monaco" charset="0"/>
@@ -14005,7 +14494,7 @@
               <a:t>&gt; </a:t>
             </a:r>
             <a:r>
-              <a:rPr lang="en-US" sz="2400" dirty="0" err="1">
+              <a:rPr lang="en-US" sz="2500" dirty="0" err="1">
                 <a:latin typeface="Monaco" charset="0"/>
                 <a:ea typeface="Monaco" charset="0"/>
                 <a:cs typeface="Monaco" charset="0"/>
@@ -14013,30 +14502,31 @@
               <a:t>wilcox.test</a:t>
             </a:r>
             <a:r>
-              <a:rPr lang="en-US" sz="2400" dirty="0" smtClean="0">
-                <a:latin typeface="Monaco" charset="0"/>
-                <a:ea typeface="Monaco" charset="0"/>
-                <a:cs typeface="Monaco" charset="0"/>
-              </a:rPr>
-              <a:t>( c(8,15,17</a:t>
-            </a:r>
-            <a:r>
-              <a:rPr lang="en-US" sz="2400" dirty="0">
-                <a:latin typeface="Monaco" charset="0"/>
-                <a:ea typeface="Monaco" charset="0"/>
-                <a:cs typeface="Monaco" charset="0"/>
-              </a:rPr>
-              <a:t>),c(11,10,16</a:t>
-            </a:r>
-            <a:r>
-              <a:rPr lang="en-US" sz="2400" dirty="0" smtClean="0">
-                <a:latin typeface="Monaco" charset="0"/>
-                <a:ea typeface="Monaco" charset="0"/>
-                <a:cs typeface="Monaco" charset="0"/>
-              </a:rPr>
-              <a:t>) )</a:t>
-            </a:r>
-            <a:endParaRPr lang="en-US" sz="2400" dirty="0">
+              <a:rPr lang="en-US" sz="2500" dirty="0">
+                <a:latin typeface="Monaco" charset="0"/>
+                <a:ea typeface="Monaco" charset="0"/>
+                <a:cs typeface="Monaco" charset="0"/>
+              </a:rPr>
+              <a:t>(c(8, 15, 17), c(22, 10, 16, 28))</a:t>
+            </a:r>
+          </a:p>
+          <a:p>
+            <a:r>
+              <a:rPr lang="en-US" sz="2500" dirty="0">
+                <a:latin typeface="Monaco" charset="0"/>
+                <a:ea typeface="Monaco" charset="0"/>
+                <a:cs typeface="Monaco" charset="0"/>
+              </a:rPr>
+              <a:t/>
+            </a:r>
+            <a:br>
+              <a:rPr lang="en-US" sz="2500" dirty="0">
+                <a:latin typeface="Monaco" charset="0"/>
+                <a:ea typeface="Monaco" charset="0"/>
+                <a:cs typeface="Monaco" charset="0"/>
+              </a:rPr>
+            </a:br>
+            <a:endParaRPr lang="en-US" sz="2500" dirty="0">
               <a:latin typeface="Monaco" charset="0"/>
               <a:ea typeface="Monaco" charset="0"/>
               <a:cs typeface="Monaco" charset="0"/>
@@ -14044,7 +14534,17 @@
           </a:p>
           <a:p>
             <a:r>
-              <a:rPr lang="en-US" sz="2400" dirty="0">
+              <a:rPr lang="en-US" sz="2500" dirty="0">
+                <a:latin typeface="Monaco" charset="0"/>
+                <a:ea typeface="Monaco" charset="0"/>
+                <a:cs typeface="Monaco" charset="0"/>
+              </a:rPr>
+              <a:t>Wilcoxon rank sum test</a:t>
+            </a:r>
+          </a:p>
+          <a:p>
+            <a:r>
+              <a:rPr lang="en-US" sz="2500" dirty="0">
                 <a:latin typeface="Monaco" charset="0"/>
                 <a:ea typeface="Monaco" charset="0"/>
                 <a:cs typeface="Monaco" charset="0"/>
@@ -14052,13 +14552,13 @@
               <a:t/>
             </a:r>
             <a:br>
-              <a:rPr lang="en-US" sz="2400" dirty="0">
+              <a:rPr lang="en-US" sz="2500" dirty="0">
                 <a:latin typeface="Monaco" charset="0"/>
                 <a:ea typeface="Monaco" charset="0"/>
                 <a:cs typeface="Monaco" charset="0"/>
               </a:rPr>
             </a:br>
-            <a:endParaRPr lang="en-US" sz="2400" dirty="0">
+            <a:endParaRPr lang="en-US" sz="2500" dirty="0">
               <a:latin typeface="Monaco" charset="0"/>
               <a:ea typeface="Monaco" charset="0"/>
               <a:cs typeface="Monaco" charset="0"/>
@@ -14066,114 +14566,40 @@
           </a:p>
           <a:p>
             <a:r>
-              <a:rPr lang="en-US" sz="2400" dirty="0">
-                <a:latin typeface="Monaco" charset="0"/>
-                <a:ea typeface="Monaco" charset="0"/>
-                <a:cs typeface="Monaco" charset="0"/>
-              </a:rPr>
-              <a:t>Wilcoxon rank sum test</a:t>
-            </a:r>
-          </a:p>
-          <a:p>
-            <a:r>
-              <a:rPr lang="en-US" sz="2400" dirty="0">
-                <a:latin typeface="Monaco" charset="0"/>
-                <a:ea typeface="Monaco" charset="0"/>
-                <a:cs typeface="Monaco" charset="0"/>
-              </a:rPr>
-              <a:t/>
-            </a:r>
-            <a:br>
-              <a:rPr lang="en-US" sz="2400" dirty="0">
-                <a:latin typeface="Monaco" charset="0"/>
-                <a:ea typeface="Monaco" charset="0"/>
-                <a:cs typeface="Monaco" charset="0"/>
-              </a:rPr>
-            </a:br>
-            <a:endParaRPr lang="en-US" sz="2400" dirty="0">
+              <a:rPr lang="en-US" sz="2500" dirty="0">
+                <a:latin typeface="Monaco" charset="0"/>
+                <a:ea typeface="Monaco" charset="0"/>
+                <a:cs typeface="Monaco" charset="0"/>
+              </a:rPr>
+              <a:t>data:  c(8, 15, 17) and c(22, 10, 16, 28)</a:t>
+            </a:r>
+          </a:p>
+          <a:p>
+            <a:r>
+              <a:rPr lang="en-US" sz="2500" dirty="0">
+                <a:latin typeface="Monaco" charset="0"/>
+                <a:ea typeface="Monaco" charset="0"/>
+                <a:cs typeface="Monaco" charset="0"/>
+              </a:rPr>
+              <a:t>W = 3, p-value = 0.4</a:t>
+            </a:r>
+          </a:p>
+          <a:p>
+            <a:r>
+              <a:rPr lang="en-US" sz="2500" dirty="0">
+                <a:latin typeface="Monaco" charset="0"/>
+                <a:ea typeface="Monaco" charset="0"/>
+                <a:cs typeface="Monaco" charset="0"/>
+              </a:rPr>
+              <a:t>alternative hypothesis: true location shift is not equal to 0</a:t>
+            </a:r>
+          </a:p>
+          <a:p>
+            <a:endParaRPr lang="en-US" sz="2500" dirty="0">
               <a:latin typeface="Monaco" charset="0"/>
               <a:ea typeface="Monaco" charset="0"/>
               <a:cs typeface="Monaco" charset="0"/>
             </a:endParaRPr>
-          </a:p>
-          <a:p>
-            <a:r>
-              <a:rPr lang="en-US" sz="2400" dirty="0">
-                <a:latin typeface="Monaco" charset="0"/>
-                <a:ea typeface="Monaco" charset="0"/>
-                <a:cs typeface="Monaco" charset="0"/>
-              </a:rPr>
-              <a:t>data:  c(8, 15, 17) and c(11, 10, 16)</a:t>
-            </a:r>
-          </a:p>
-          <a:p>
-            <a:r>
-              <a:rPr lang="en-US" sz="2400" dirty="0">
-                <a:latin typeface="Monaco" charset="0"/>
-                <a:ea typeface="Monaco" charset="0"/>
-                <a:cs typeface="Monaco" charset="0"/>
-              </a:rPr>
-              <a:t>W = 5, p-value = 1</a:t>
-            </a:r>
-          </a:p>
-          <a:p>
-            <a:r>
-              <a:rPr lang="en-US" sz="2400" dirty="0">
-                <a:latin typeface="Monaco" charset="0"/>
-                <a:ea typeface="Monaco" charset="0"/>
-                <a:cs typeface="Monaco" charset="0"/>
-              </a:rPr>
-              <a:t>alternative hypothesis: true location shift is not equal to 0</a:t>
-            </a:r>
-          </a:p>
-          <a:p>
-            <a:endParaRPr lang="en-US" sz="2400" dirty="0">
-              <a:latin typeface="Monaco" charset="0"/>
-              <a:ea typeface="Monaco" charset="0"/>
-              <a:cs typeface="Monaco" charset="0"/>
-            </a:endParaRPr>
-          </a:p>
-        </p:txBody>
-      </p:sp>
-      <p:sp>
-        <p:nvSpPr>
-          <p:cNvPr id="6" name="Rectangle 5"/>
-          <p:cNvSpPr/>
-          <p:nvPr/>
-        </p:nvSpPr>
-        <p:spPr>
-          <a:xfrm>
-            <a:off x="537883" y="4805082"/>
-            <a:ext cx="1183341" cy="430306"/>
-          </a:xfrm>
-          <a:prstGeom prst="rect">
-            <a:avLst/>
-          </a:prstGeom>
-          <a:noFill/>
-          <a:ln w="38100"/>
-        </p:spPr>
-        <p:style>
-          <a:lnRef idx="2">
-            <a:schemeClr val="accent1">
-              <a:shade val="50000"/>
-            </a:schemeClr>
-          </a:lnRef>
-          <a:fillRef idx="1">
-            <a:schemeClr val="accent1"/>
-          </a:fillRef>
-          <a:effectRef idx="0">
-            <a:schemeClr val="accent1"/>
-          </a:effectRef>
-          <a:fontRef idx="minor">
-            <a:schemeClr val="lt1"/>
-          </a:fontRef>
-        </p:style>
-        <p:txBody>
-          <a:bodyPr rtlCol="0" anchor="ctr"/>
-          <a:lstStyle/>
-          <a:p>
-            <a:pPr algn="ctr"/>
-            <a:endParaRPr lang="en-US"/>
           </a:p>
         </p:txBody>
       </p:sp>
@@ -14231,7 +14657,7 @@
           <a:p>
             <a:r>
               <a:rPr lang="en-US" dirty="0" smtClean="0"/>
-              <a:t>Now your turn</a:t>
+              <a:t>Major caveat: ties in data</a:t>
             </a:r>
             <a:endParaRPr lang="en-US" dirty="0"/>
           </a:p>
@@ -14247,19 +14673,1062 @@
             <p:ph idx="1"/>
           </p:nvPr>
         </p:nvSpPr>
-        <p:spPr/>
+        <p:spPr>
+          <a:xfrm>
+            <a:off x="1323748" y="2398013"/>
+            <a:ext cx="10058400" cy="4023360"/>
+          </a:xfrm>
+        </p:spPr>
         <p:txBody>
           <a:bodyPr/>
           <a:lstStyle/>
           <a:p>
+            <a:endParaRPr lang="en-US" b="1" dirty="0" smtClean="0">
+              <a:solidFill>
+                <a:schemeClr val="accent1">
+                  <a:lumMod val="75000"/>
+                </a:schemeClr>
+              </a:solidFill>
+            </a:endParaRPr>
+          </a:p>
+          <a:p>
+            <a:r>
+              <a:rPr lang="en-US" b="1" dirty="0" smtClean="0">
+                <a:solidFill>
+                  <a:schemeClr val="accent1">
+                    <a:lumMod val="75000"/>
+                  </a:schemeClr>
+                </a:solidFill>
+              </a:rPr>
+              <a:t>Sample </a:t>
+            </a:r>
+            <a:r>
+              <a:rPr lang="en-US" b="1" dirty="0">
+                <a:solidFill>
+                  <a:schemeClr val="accent1">
+                    <a:lumMod val="75000"/>
+                  </a:schemeClr>
+                </a:solidFill>
+              </a:rPr>
+              <a:t>1: 8, 15, 17</a:t>
+            </a:r>
+          </a:p>
+          <a:p>
+            <a:r>
+              <a:rPr lang="en-US" b="1" dirty="0">
+                <a:solidFill>
+                  <a:schemeClr val="accent4">
+                    <a:lumMod val="75000"/>
+                  </a:schemeClr>
+                </a:solidFill>
+              </a:rPr>
+              <a:t>Sample 2: 22, 10, 16, </a:t>
+            </a:r>
+            <a:r>
+              <a:rPr lang="en-US" b="1" dirty="0" smtClean="0">
+                <a:solidFill>
+                  <a:schemeClr val="accent4">
+                    <a:lumMod val="75000"/>
+                  </a:schemeClr>
+                </a:solidFill>
+              </a:rPr>
+              <a:t>17</a:t>
+            </a:r>
+            <a:endParaRPr lang="en-US" b="1" dirty="0">
+              <a:solidFill>
+                <a:schemeClr val="accent4">
+                  <a:lumMod val="75000"/>
+                </a:schemeClr>
+              </a:solidFill>
+            </a:endParaRPr>
+          </a:p>
+          <a:p>
+            <a:pPr lvl="1"/>
+            <a:endParaRPr lang="en-US" dirty="0"/>
+          </a:p>
+        </p:txBody>
+      </p:sp>
+      <p:sp>
+        <p:nvSpPr>
+          <p:cNvPr id="4" name="Oval 3"/>
+          <p:cNvSpPr>
+            <a:spLocks/>
+          </p:cNvSpPr>
+          <p:nvPr/>
+        </p:nvSpPr>
+        <p:spPr>
+          <a:xfrm>
+            <a:off x="4891018" y="3786991"/>
+            <a:ext cx="548640" cy="457200"/>
+          </a:xfrm>
+          <a:prstGeom prst="ellipse">
+            <a:avLst/>
+          </a:prstGeom>
+          <a:solidFill>
+            <a:srgbClr val="C00000">
+              <a:alpha val="40000"/>
+            </a:srgbClr>
+          </a:solidFill>
+          <a:ln>
+            <a:solidFill>
+              <a:srgbClr val="C00000"/>
+            </a:solidFill>
+          </a:ln>
+        </p:spPr>
+        <p:style>
+          <a:lnRef idx="2">
+            <a:schemeClr val="accent1">
+              <a:shade val="50000"/>
+            </a:schemeClr>
+          </a:lnRef>
+          <a:fillRef idx="1">
+            <a:schemeClr val="accent1"/>
+          </a:fillRef>
+          <a:effectRef idx="0">
+            <a:schemeClr val="accent1"/>
+          </a:effectRef>
+          <a:fontRef idx="minor">
+            <a:schemeClr val="lt1"/>
+          </a:fontRef>
+        </p:style>
+        <p:txBody>
+          <a:bodyPr rtlCol="0" anchor="ctr"/>
+          <a:lstStyle/>
+          <a:p>
+            <a:pPr algn="ctr"/>
             <a:endParaRPr lang="en-US"/>
+          </a:p>
+        </p:txBody>
+      </p:sp>
+      <p:sp>
+        <p:nvSpPr>
+          <p:cNvPr id="5" name="Oval 4"/>
+          <p:cNvSpPr>
+            <a:spLocks/>
+          </p:cNvSpPr>
+          <p:nvPr/>
+        </p:nvSpPr>
+        <p:spPr>
+          <a:xfrm>
+            <a:off x="4100471" y="3075346"/>
+            <a:ext cx="548640" cy="457200"/>
+          </a:xfrm>
+          <a:prstGeom prst="ellipse">
+            <a:avLst/>
+          </a:prstGeom>
+          <a:solidFill>
+            <a:srgbClr val="C00000">
+              <a:alpha val="40000"/>
+            </a:srgbClr>
+          </a:solidFill>
+          <a:ln>
+            <a:solidFill>
+              <a:srgbClr val="C00000"/>
+            </a:solidFill>
+          </a:ln>
+        </p:spPr>
+        <p:style>
+          <a:lnRef idx="2">
+            <a:schemeClr val="accent1">
+              <a:shade val="50000"/>
+            </a:schemeClr>
+          </a:lnRef>
+          <a:fillRef idx="1">
+            <a:schemeClr val="accent1"/>
+          </a:fillRef>
+          <a:effectRef idx="0">
+            <a:schemeClr val="accent1"/>
+          </a:effectRef>
+          <a:fontRef idx="minor">
+            <a:schemeClr val="lt1"/>
+          </a:fontRef>
+        </p:style>
+        <p:txBody>
+          <a:bodyPr rtlCol="0" anchor="ctr"/>
+          <a:lstStyle/>
+          <a:p>
+            <a:pPr algn="ctr"/>
+            <a:endParaRPr lang="en-US"/>
+          </a:p>
+        </p:txBody>
+      </p:sp>
+      <p:graphicFrame>
+        <p:nvGraphicFramePr>
+          <p:cNvPr id="6" name="Table 5"/>
+          <p:cNvGraphicFramePr>
+            <a:graphicFrameLocks noGrp="1"/>
+          </p:cNvGraphicFramePr>
+          <p:nvPr>
+            <p:extLst>
+              <p:ext uri="{D42A27DB-BD31-4B8C-83A1-F6EECF244321}">
+                <p14:modId xmlns:p14="http://schemas.microsoft.com/office/powerpoint/2010/main" val="508305944"/>
+              </p:ext>
+            </p:extLst>
+          </p:nvPr>
+        </p:nvGraphicFramePr>
+        <p:xfrm>
+          <a:off x="7328138" y="2398013"/>
+          <a:ext cx="1966260" cy="3957331"/>
+        </p:xfrm>
+        <a:graphic>
+          <a:graphicData uri="http://schemas.openxmlformats.org/drawingml/2006/table">
+            <a:tbl>
+              <a:tblPr bandRow="1">
+                <a:tableStyleId>{5C22544A-7EE6-4342-B048-85BDC9FD1C3A}</a:tableStyleId>
+              </a:tblPr>
+              <a:tblGrid>
+                <a:gridCol w="979396"/>
+                <a:gridCol w="986864"/>
+              </a:tblGrid>
+              <a:tr h="565333">
+                <a:tc>
+                  <a:txBody>
+                    <a:bodyPr/>
+                    <a:lstStyle/>
+                    <a:p>
+                      <a:pPr algn="ctr"/>
+                      <a:r>
+                        <a:rPr lang="en-US" sz="2400" b="1" dirty="0" smtClean="0">
+                          <a:solidFill>
+                            <a:schemeClr val="accent1">
+                              <a:lumMod val="75000"/>
+                            </a:schemeClr>
+                          </a:solidFill>
+                        </a:rPr>
+                        <a:t>8</a:t>
+                      </a:r>
+                      <a:endParaRPr lang="en-US" sz="2400" b="1" dirty="0">
+                        <a:solidFill>
+                          <a:schemeClr val="accent1">
+                            <a:lumMod val="75000"/>
+                          </a:schemeClr>
+                        </a:solidFill>
+                      </a:endParaRPr>
+                    </a:p>
+                  </a:txBody>
+                  <a:tcPr>
+                    <a:lnR w="12700" cap="flat" cmpd="sng" algn="ctr">
+                      <a:solidFill>
+                        <a:schemeClr val="tx1"/>
+                      </a:solidFill>
+                      <a:prstDash val="solid"/>
+                      <a:round/>
+                      <a:headEnd type="none" w="med" len="med"/>
+                      <a:tailEnd type="none" w="med" len="med"/>
+                    </a:lnR>
+                    <a:lnB w="12700" cap="flat" cmpd="sng" algn="ctr">
+                      <a:solidFill>
+                        <a:schemeClr val="tx1"/>
+                      </a:solidFill>
+                      <a:prstDash val="solid"/>
+                      <a:round/>
+                      <a:headEnd type="none" w="med" len="med"/>
+                      <a:tailEnd type="none" w="med" len="med"/>
+                    </a:lnB>
+                    <a:noFill/>
+                  </a:tcPr>
+                </a:tc>
+                <a:tc>
+                  <a:txBody>
+                    <a:bodyPr/>
+                    <a:lstStyle/>
+                    <a:p>
+                      <a:pPr algn="ctr"/>
+                      <a:r>
+                        <a:rPr lang="en-US" sz="2400" b="1" dirty="0" smtClean="0">
+                          <a:solidFill>
+                            <a:schemeClr val="accent1">
+                              <a:lumMod val="75000"/>
+                            </a:schemeClr>
+                          </a:solidFill>
+                        </a:rPr>
+                        <a:t>1</a:t>
+                      </a:r>
+                      <a:endParaRPr lang="en-US" sz="2400" b="1" dirty="0">
+                        <a:solidFill>
+                          <a:schemeClr val="accent1">
+                            <a:lumMod val="75000"/>
+                          </a:schemeClr>
+                        </a:solidFill>
+                      </a:endParaRPr>
+                    </a:p>
+                  </a:txBody>
+                  <a:tcPr>
+                    <a:lnL w="12700" cap="flat" cmpd="sng" algn="ctr">
+                      <a:solidFill>
+                        <a:schemeClr val="tx1"/>
+                      </a:solidFill>
+                      <a:prstDash val="solid"/>
+                      <a:round/>
+                      <a:headEnd type="none" w="med" len="med"/>
+                      <a:tailEnd type="none" w="med" len="med"/>
+                    </a:lnL>
+                    <a:lnB w="12700" cap="flat" cmpd="sng" algn="ctr">
+                      <a:solidFill>
+                        <a:schemeClr val="tx1"/>
+                      </a:solidFill>
+                      <a:prstDash val="solid"/>
+                      <a:round/>
+                      <a:headEnd type="none" w="med" len="med"/>
+                      <a:tailEnd type="none" w="med" len="med"/>
+                    </a:lnB>
+                    <a:noFill/>
+                  </a:tcPr>
+                </a:tc>
+              </a:tr>
+              <a:tr h="565333">
+                <a:tc>
+                  <a:txBody>
+                    <a:bodyPr/>
+                    <a:lstStyle/>
+                    <a:p>
+                      <a:pPr algn="ctr"/>
+                      <a:r>
+                        <a:rPr lang="en-US" sz="2400" b="1" dirty="0" smtClean="0">
+                          <a:solidFill>
+                            <a:schemeClr val="accent4">
+                              <a:lumMod val="75000"/>
+                            </a:schemeClr>
+                          </a:solidFill>
+                        </a:rPr>
+                        <a:t>10</a:t>
+                      </a:r>
+                      <a:endParaRPr lang="en-US" sz="2400" b="1" dirty="0">
+                        <a:solidFill>
+                          <a:schemeClr val="accent4">
+                            <a:lumMod val="75000"/>
+                          </a:schemeClr>
+                        </a:solidFill>
+                      </a:endParaRPr>
+                    </a:p>
+                  </a:txBody>
+                  <a:tcPr>
+                    <a:lnR w="12700" cap="flat" cmpd="sng" algn="ctr">
+                      <a:solidFill>
+                        <a:schemeClr val="tx1"/>
+                      </a:solidFill>
+                      <a:prstDash val="solid"/>
+                      <a:round/>
+                      <a:headEnd type="none" w="med" len="med"/>
+                      <a:tailEnd type="none" w="med" len="med"/>
+                    </a:lnR>
+                    <a:lnT w="12700" cap="flat" cmpd="sng" algn="ctr">
+                      <a:solidFill>
+                        <a:schemeClr val="tx1"/>
+                      </a:solidFill>
+                      <a:prstDash val="solid"/>
+                      <a:round/>
+                      <a:headEnd type="none" w="med" len="med"/>
+                      <a:tailEnd type="none" w="med" len="med"/>
+                    </a:lnT>
+                    <a:lnB w="12700" cap="flat" cmpd="sng" algn="ctr">
+                      <a:solidFill>
+                        <a:schemeClr val="tx1"/>
+                      </a:solidFill>
+                      <a:prstDash val="solid"/>
+                      <a:round/>
+                      <a:headEnd type="none" w="med" len="med"/>
+                      <a:tailEnd type="none" w="med" len="med"/>
+                    </a:lnB>
+                    <a:noFill/>
+                  </a:tcPr>
+                </a:tc>
+                <a:tc>
+                  <a:txBody>
+                    <a:bodyPr/>
+                    <a:lstStyle/>
+                    <a:p>
+                      <a:pPr algn="ctr"/>
+                      <a:r>
+                        <a:rPr lang="en-US" sz="2400" b="1" dirty="0" smtClean="0">
+                          <a:solidFill>
+                            <a:schemeClr val="accent4">
+                              <a:lumMod val="75000"/>
+                            </a:schemeClr>
+                          </a:solidFill>
+                        </a:rPr>
+                        <a:t>2</a:t>
+                      </a:r>
+                      <a:endParaRPr lang="en-US" sz="2400" b="1" dirty="0">
+                        <a:solidFill>
+                          <a:schemeClr val="accent4">
+                            <a:lumMod val="75000"/>
+                          </a:schemeClr>
+                        </a:solidFill>
+                      </a:endParaRPr>
+                    </a:p>
+                  </a:txBody>
+                  <a:tcPr>
+                    <a:lnL w="12700" cap="flat" cmpd="sng" algn="ctr">
+                      <a:solidFill>
+                        <a:schemeClr val="tx1"/>
+                      </a:solidFill>
+                      <a:prstDash val="solid"/>
+                      <a:round/>
+                      <a:headEnd type="none" w="med" len="med"/>
+                      <a:tailEnd type="none" w="med" len="med"/>
+                    </a:lnL>
+                    <a:lnT w="12700" cap="flat" cmpd="sng" algn="ctr">
+                      <a:solidFill>
+                        <a:schemeClr val="tx1"/>
+                      </a:solidFill>
+                      <a:prstDash val="solid"/>
+                      <a:round/>
+                      <a:headEnd type="none" w="med" len="med"/>
+                      <a:tailEnd type="none" w="med" len="med"/>
+                    </a:lnT>
+                    <a:lnB w="12700" cap="flat" cmpd="sng" algn="ctr">
+                      <a:solidFill>
+                        <a:schemeClr val="tx1"/>
+                      </a:solidFill>
+                      <a:prstDash val="solid"/>
+                      <a:round/>
+                      <a:headEnd type="none" w="med" len="med"/>
+                      <a:tailEnd type="none" w="med" len="med"/>
+                    </a:lnB>
+                    <a:noFill/>
+                  </a:tcPr>
+                </a:tc>
+              </a:tr>
+              <a:tr h="565333">
+                <a:tc>
+                  <a:txBody>
+                    <a:bodyPr/>
+                    <a:lstStyle/>
+                    <a:p>
+                      <a:pPr algn="ctr"/>
+                      <a:r>
+                        <a:rPr lang="en-US" sz="2400" b="1" dirty="0" smtClean="0">
+                          <a:solidFill>
+                            <a:schemeClr val="accent1">
+                              <a:lumMod val="75000"/>
+                            </a:schemeClr>
+                          </a:solidFill>
+                        </a:rPr>
+                        <a:t>15</a:t>
+                      </a:r>
+                      <a:endParaRPr lang="en-US" sz="2400" b="1" dirty="0">
+                        <a:solidFill>
+                          <a:schemeClr val="accent1">
+                            <a:lumMod val="75000"/>
+                          </a:schemeClr>
+                        </a:solidFill>
+                      </a:endParaRPr>
+                    </a:p>
+                  </a:txBody>
+                  <a:tcPr>
+                    <a:lnR w="12700" cap="flat" cmpd="sng" algn="ctr">
+                      <a:solidFill>
+                        <a:schemeClr val="tx1"/>
+                      </a:solidFill>
+                      <a:prstDash val="solid"/>
+                      <a:round/>
+                      <a:headEnd type="none" w="med" len="med"/>
+                      <a:tailEnd type="none" w="med" len="med"/>
+                    </a:lnR>
+                    <a:lnT w="12700" cap="flat" cmpd="sng" algn="ctr">
+                      <a:solidFill>
+                        <a:schemeClr val="tx1"/>
+                      </a:solidFill>
+                      <a:prstDash val="solid"/>
+                      <a:round/>
+                      <a:headEnd type="none" w="med" len="med"/>
+                      <a:tailEnd type="none" w="med" len="med"/>
+                    </a:lnT>
+                    <a:lnB w="12700" cap="flat" cmpd="sng" algn="ctr">
+                      <a:solidFill>
+                        <a:schemeClr val="tx1"/>
+                      </a:solidFill>
+                      <a:prstDash val="solid"/>
+                      <a:round/>
+                      <a:headEnd type="none" w="med" len="med"/>
+                      <a:tailEnd type="none" w="med" len="med"/>
+                    </a:lnB>
+                    <a:noFill/>
+                  </a:tcPr>
+                </a:tc>
+                <a:tc>
+                  <a:txBody>
+                    <a:bodyPr/>
+                    <a:lstStyle/>
+                    <a:p>
+                      <a:pPr algn="ctr"/>
+                      <a:r>
+                        <a:rPr lang="en-US" sz="2400" b="1" dirty="0" smtClean="0">
+                          <a:solidFill>
+                            <a:schemeClr val="accent1">
+                              <a:lumMod val="75000"/>
+                            </a:schemeClr>
+                          </a:solidFill>
+                        </a:rPr>
+                        <a:t>3</a:t>
+                      </a:r>
+                      <a:endParaRPr lang="en-US" sz="2400" b="1" dirty="0">
+                        <a:solidFill>
+                          <a:schemeClr val="accent1">
+                            <a:lumMod val="75000"/>
+                          </a:schemeClr>
+                        </a:solidFill>
+                      </a:endParaRPr>
+                    </a:p>
+                  </a:txBody>
+                  <a:tcPr>
+                    <a:lnL w="12700" cap="flat" cmpd="sng" algn="ctr">
+                      <a:solidFill>
+                        <a:schemeClr val="tx1"/>
+                      </a:solidFill>
+                      <a:prstDash val="solid"/>
+                      <a:round/>
+                      <a:headEnd type="none" w="med" len="med"/>
+                      <a:tailEnd type="none" w="med" len="med"/>
+                    </a:lnL>
+                    <a:lnT w="12700" cap="flat" cmpd="sng" algn="ctr">
+                      <a:solidFill>
+                        <a:schemeClr val="tx1"/>
+                      </a:solidFill>
+                      <a:prstDash val="solid"/>
+                      <a:round/>
+                      <a:headEnd type="none" w="med" len="med"/>
+                      <a:tailEnd type="none" w="med" len="med"/>
+                    </a:lnT>
+                    <a:lnB w="12700" cap="flat" cmpd="sng" algn="ctr">
+                      <a:solidFill>
+                        <a:schemeClr val="tx1"/>
+                      </a:solidFill>
+                      <a:prstDash val="solid"/>
+                      <a:round/>
+                      <a:headEnd type="none" w="med" len="med"/>
+                      <a:tailEnd type="none" w="med" len="med"/>
+                    </a:lnB>
+                    <a:noFill/>
+                  </a:tcPr>
+                </a:tc>
+              </a:tr>
+              <a:tr h="565333">
+                <a:tc>
+                  <a:txBody>
+                    <a:bodyPr/>
+                    <a:lstStyle/>
+                    <a:p>
+                      <a:pPr algn="ctr"/>
+                      <a:r>
+                        <a:rPr lang="en-US" sz="2400" b="1" dirty="0" smtClean="0">
+                          <a:solidFill>
+                            <a:schemeClr val="accent4">
+                              <a:lumMod val="75000"/>
+                            </a:schemeClr>
+                          </a:solidFill>
+                        </a:rPr>
+                        <a:t>16</a:t>
+                      </a:r>
+                      <a:endParaRPr lang="en-US" sz="2400" b="1" dirty="0">
+                        <a:solidFill>
+                          <a:schemeClr val="accent4">
+                            <a:lumMod val="75000"/>
+                          </a:schemeClr>
+                        </a:solidFill>
+                      </a:endParaRPr>
+                    </a:p>
+                  </a:txBody>
+                  <a:tcPr>
+                    <a:lnR w="12700" cap="flat" cmpd="sng" algn="ctr">
+                      <a:solidFill>
+                        <a:schemeClr val="tx1"/>
+                      </a:solidFill>
+                      <a:prstDash val="solid"/>
+                      <a:round/>
+                      <a:headEnd type="none" w="med" len="med"/>
+                      <a:tailEnd type="none" w="med" len="med"/>
+                    </a:lnR>
+                    <a:lnT w="12700" cap="flat" cmpd="sng" algn="ctr">
+                      <a:solidFill>
+                        <a:schemeClr val="tx1"/>
+                      </a:solidFill>
+                      <a:prstDash val="solid"/>
+                      <a:round/>
+                      <a:headEnd type="none" w="med" len="med"/>
+                      <a:tailEnd type="none" w="med" len="med"/>
+                    </a:lnT>
+                    <a:lnB w="12700" cap="flat" cmpd="sng" algn="ctr">
+                      <a:solidFill>
+                        <a:schemeClr val="tx1"/>
+                      </a:solidFill>
+                      <a:prstDash val="solid"/>
+                      <a:round/>
+                      <a:headEnd type="none" w="med" len="med"/>
+                      <a:tailEnd type="none" w="med" len="med"/>
+                    </a:lnB>
+                    <a:noFill/>
+                  </a:tcPr>
+                </a:tc>
+                <a:tc>
+                  <a:txBody>
+                    <a:bodyPr/>
+                    <a:lstStyle/>
+                    <a:p>
+                      <a:pPr algn="ctr"/>
+                      <a:r>
+                        <a:rPr lang="en-US" sz="2400" b="1" dirty="0" smtClean="0">
+                          <a:solidFill>
+                            <a:schemeClr val="accent4">
+                              <a:lumMod val="75000"/>
+                            </a:schemeClr>
+                          </a:solidFill>
+                        </a:rPr>
+                        <a:t>4</a:t>
+                      </a:r>
+                      <a:endParaRPr lang="en-US" sz="2400" b="1" dirty="0">
+                        <a:solidFill>
+                          <a:schemeClr val="accent4">
+                            <a:lumMod val="75000"/>
+                          </a:schemeClr>
+                        </a:solidFill>
+                      </a:endParaRPr>
+                    </a:p>
+                  </a:txBody>
+                  <a:tcPr>
+                    <a:lnL w="12700" cap="flat" cmpd="sng" algn="ctr">
+                      <a:solidFill>
+                        <a:schemeClr val="tx1"/>
+                      </a:solidFill>
+                      <a:prstDash val="solid"/>
+                      <a:round/>
+                      <a:headEnd type="none" w="med" len="med"/>
+                      <a:tailEnd type="none" w="med" len="med"/>
+                    </a:lnL>
+                    <a:lnT w="12700" cap="flat" cmpd="sng" algn="ctr">
+                      <a:solidFill>
+                        <a:schemeClr val="tx1"/>
+                      </a:solidFill>
+                      <a:prstDash val="solid"/>
+                      <a:round/>
+                      <a:headEnd type="none" w="med" len="med"/>
+                      <a:tailEnd type="none" w="med" len="med"/>
+                    </a:lnT>
+                    <a:lnB w="12700" cap="flat" cmpd="sng" algn="ctr">
+                      <a:solidFill>
+                        <a:schemeClr val="tx1"/>
+                      </a:solidFill>
+                      <a:prstDash val="solid"/>
+                      <a:round/>
+                      <a:headEnd type="none" w="med" len="med"/>
+                      <a:tailEnd type="none" w="med" len="med"/>
+                    </a:lnB>
+                    <a:noFill/>
+                  </a:tcPr>
+                </a:tc>
+              </a:tr>
+              <a:tr h="565333">
+                <a:tc>
+                  <a:txBody>
+                    <a:bodyPr/>
+                    <a:lstStyle/>
+                    <a:p>
+                      <a:pPr algn="ctr"/>
+                      <a:r>
+                        <a:rPr lang="en-US" sz="2400" b="1" dirty="0" smtClean="0">
+                          <a:solidFill>
+                            <a:schemeClr val="accent1">
+                              <a:lumMod val="75000"/>
+                            </a:schemeClr>
+                          </a:solidFill>
+                        </a:rPr>
+                        <a:t>17</a:t>
+                      </a:r>
+                      <a:endParaRPr lang="en-US" sz="2400" b="1" dirty="0">
+                        <a:solidFill>
+                          <a:schemeClr val="accent1">
+                            <a:lumMod val="75000"/>
+                          </a:schemeClr>
+                        </a:solidFill>
+                      </a:endParaRPr>
+                    </a:p>
+                  </a:txBody>
+                  <a:tcPr>
+                    <a:lnR w="12700" cap="flat" cmpd="sng" algn="ctr">
+                      <a:solidFill>
+                        <a:schemeClr val="tx1"/>
+                      </a:solidFill>
+                      <a:prstDash val="solid"/>
+                      <a:round/>
+                      <a:headEnd type="none" w="med" len="med"/>
+                      <a:tailEnd type="none" w="med" len="med"/>
+                    </a:lnR>
+                    <a:lnT w="12700" cap="flat" cmpd="sng" algn="ctr">
+                      <a:solidFill>
+                        <a:schemeClr val="tx1"/>
+                      </a:solidFill>
+                      <a:prstDash val="solid"/>
+                      <a:round/>
+                      <a:headEnd type="none" w="med" len="med"/>
+                      <a:tailEnd type="none" w="med" len="med"/>
+                    </a:lnT>
+                    <a:lnB w="12700" cap="flat" cmpd="sng" algn="ctr">
+                      <a:solidFill>
+                        <a:schemeClr val="tx1"/>
+                      </a:solidFill>
+                      <a:prstDash val="solid"/>
+                      <a:round/>
+                      <a:headEnd type="none" w="med" len="med"/>
+                      <a:tailEnd type="none" w="med" len="med"/>
+                    </a:lnB>
+                    <a:noFill/>
+                  </a:tcPr>
+                </a:tc>
+                <a:tc>
+                  <a:txBody>
+                    <a:bodyPr/>
+                    <a:lstStyle/>
+                    <a:p>
+                      <a:pPr algn="ctr"/>
+                      <a:r>
+                        <a:rPr lang="en-US" sz="2400" b="1" dirty="0" smtClean="0">
+                          <a:solidFill>
+                            <a:schemeClr val="accent1">
+                              <a:lumMod val="75000"/>
+                            </a:schemeClr>
+                          </a:solidFill>
+                        </a:rPr>
+                        <a:t>5.5</a:t>
+                      </a:r>
+                      <a:endParaRPr lang="en-US" sz="2400" b="1" dirty="0">
+                        <a:solidFill>
+                          <a:schemeClr val="accent1">
+                            <a:lumMod val="75000"/>
+                          </a:schemeClr>
+                        </a:solidFill>
+                      </a:endParaRPr>
+                    </a:p>
+                  </a:txBody>
+                  <a:tcPr>
+                    <a:lnL w="12700" cap="flat" cmpd="sng" algn="ctr">
+                      <a:solidFill>
+                        <a:schemeClr val="tx1"/>
+                      </a:solidFill>
+                      <a:prstDash val="solid"/>
+                      <a:round/>
+                      <a:headEnd type="none" w="med" len="med"/>
+                      <a:tailEnd type="none" w="med" len="med"/>
+                    </a:lnL>
+                    <a:lnT w="12700" cap="flat" cmpd="sng" algn="ctr">
+                      <a:solidFill>
+                        <a:schemeClr val="tx1"/>
+                      </a:solidFill>
+                      <a:prstDash val="solid"/>
+                      <a:round/>
+                      <a:headEnd type="none" w="med" len="med"/>
+                      <a:tailEnd type="none" w="med" len="med"/>
+                    </a:lnT>
+                    <a:lnB w="12700" cap="flat" cmpd="sng" algn="ctr">
+                      <a:solidFill>
+                        <a:schemeClr val="tx1"/>
+                      </a:solidFill>
+                      <a:prstDash val="solid"/>
+                      <a:round/>
+                      <a:headEnd type="none" w="med" len="med"/>
+                      <a:tailEnd type="none" w="med" len="med"/>
+                    </a:lnB>
+                    <a:noFill/>
+                  </a:tcPr>
+                </a:tc>
+              </a:tr>
+              <a:tr h="565333">
+                <a:tc>
+                  <a:txBody>
+                    <a:bodyPr/>
+                    <a:lstStyle/>
+                    <a:p>
+                      <a:pPr algn="ctr"/>
+                      <a:r>
+                        <a:rPr lang="en-US" sz="2400" b="1" dirty="0" smtClean="0">
+                          <a:solidFill>
+                            <a:schemeClr val="accent4">
+                              <a:lumMod val="75000"/>
+                            </a:schemeClr>
+                          </a:solidFill>
+                        </a:rPr>
+                        <a:t>17</a:t>
+                      </a:r>
+                      <a:endParaRPr lang="en-US" sz="2400" b="1" dirty="0">
+                        <a:solidFill>
+                          <a:schemeClr val="accent4">
+                            <a:lumMod val="75000"/>
+                          </a:schemeClr>
+                        </a:solidFill>
+                      </a:endParaRPr>
+                    </a:p>
+                  </a:txBody>
+                  <a:tcPr>
+                    <a:lnR w="12700" cap="flat" cmpd="sng" algn="ctr">
+                      <a:solidFill>
+                        <a:schemeClr val="tx1"/>
+                      </a:solidFill>
+                      <a:prstDash val="solid"/>
+                      <a:round/>
+                      <a:headEnd type="none" w="med" len="med"/>
+                      <a:tailEnd type="none" w="med" len="med"/>
+                    </a:lnR>
+                    <a:lnT w="12700" cap="flat" cmpd="sng" algn="ctr">
+                      <a:solidFill>
+                        <a:schemeClr val="tx1"/>
+                      </a:solidFill>
+                      <a:prstDash val="solid"/>
+                      <a:round/>
+                      <a:headEnd type="none" w="med" len="med"/>
+                      <a:tailEnd type="none" w="med" len="med"/>
+                    </a:lnT>
+                    <a:lnB w="12700" cap="flat" cmpd="sng" algn="ctr">
+                      <a:solidFill>
+                        <a:schemeClr val="tx1"/>
+                      </a:solidFill>
+                      <a:prstDash val="solid"/>
+                      <a:round/>
+                      <a:headEnd type="none" w="med" len="med"/>
+                      <a:tailEnd type="none" w="med" len="med"/>
+                    </a:lnB>
+                    <a:noFill/>
+                  </a:tcPr>
+                </a:tc>
+                <a:tc>
+                  <a:txBody>
+                    <a:bodyPr/>
+                    <a:lstStyle/>
+                    <a:p>
+                      <a:pPr algn="ctr"/>
+                      <a:r>
+                        <a:rPr lang="en-US" sz="2400" b="1" dirty="0" smtClean="0">
+                          <a:solidFill>
+                            <a:schemeClr val="accent4">
+                              <a:lumMod val="75000"/>
+                            </a:schemeClr>
+                          </a:solidFill>
+                        </a:rPr>
+                        <a:t>5.5</a:t>
+                      </a:r>
+                      <a:endParaRPr lang="en-US" sz="2400" b="1" dirty="0">
+                        <a:solidFill>
+                          <a:schemeClr val="accent4">
+                            <a:lumMod val="75000"/>
+                          </a:schemeClr>
+                        </a:solidFill>
+                      </a:endParaRPr>
+                    </a:p>
+                  </a:txBody>
+                  <a:tcPr>
+                    <a:lnL w="12700" cap="flat" cmpd="sng" algn="ctr">
+                      <a:solidFill>
+                        <a:schemeClr val="tx1"/>
+                      </a:solidFill>
+                      <a:prstDash val="solid"/>
+                      <a:round/>
+                      <a:headEnd type="none" w="med" len="med"/>
+                      <a:tailEnd type="none" w="med" len="med"/>
+                    </a:lnL>
+                    <a:lnT w="12700" cap="flat" cmpd="sng" algn="ctr">
+                      <a:solidFill>
+                        <a:schemeClr val="tx1"/>
+                      </a:solidFill>
+                      <a:prstDash val="solid"/>
+                      <a:round/>
+                      <a:headEnd type="none" w="med" len="med"/>
+                      <a:tailEnd type="none" w="med" len="med"/>
+                    </a:lnT>
+                    <a:lnB w="12700" cap="flat" cmpd="sng" algn="ctr">
+                      <a:solidFill>
+                        <a:schemeClr val="tx1"/>
+                      </a:solidFill>
+                      <a:prstDash val="solid"/>
+                      <a:round/>
+                      <a:headEnd type="none" w="med" len="med"/>
+                      <a:tailEnd type="none" w="med" len="med"/>
+                    </a:lnB>
+                    <a:noFill/>
+                  </a:tcPr>
+                </a:tc>
+              </a:tr>
+              <a:tr h="565333">
+                <a:tc>
+                  <a:txBody>
+                    <a:bodyPr/>
+                    <a:lstStyle/>
+                    <a:p>
+                      <a:pPr algn="ctr"/>
+                      <a:r>
+                        <a:rPr lang="en-US" sz="2400" b="1" dirty="0" smtClean="0">
+                          <a:solidFill>
+                            <a:schemeClr val="accent4">
+                              <a:lumMod val="75000"/>
+                            </a:schemeClr>
+                          </a:solidFill>
+                        </a:rPr>
+                        <a:t>22</a:t>
+                      </a:r>
+                      <a:endParaRPr lang="en-US" sz="2400" b="1" dirty="0">
+                        <a:solidFill>
+                          <a:schemeClr val="accent4">
+                            <a:lumMod val="75000"/>
+                          </a:schemeClr>
+                        </a:solidFill>
+                      </a:endParaRPr>
+                    </a:p>
+                  </a:txBody>
+                  <a:tcPr>
+                    <a:lnR w="12700" cap="flat" cmpd="sng" algn="ctr">
+                      <a:solidFill>
+                        <a:schemeClr val="tx1"/>
+                      </a:solidFill>
+                      <a:prstDash val="solid"/>
+                      <a:round/>
+                      <a:headEnd type="none" w="med" len="med"/>
+                      <a:tailEnd type="none" w="med" len="med"/>
+                    </a:lnR>
+                    <a:lnT w="12700" cap="flat" cmpd="sng" algn="ctr">
+                      <a:solidFill>
+                        <a:schemeClr val="tx1"/>
+                      </a:solidFill>
+                      <a:prstDash val="solid"/>
+                      <a:round/>
+                      <a:headEnd type="none" w="med" len="med"/>
+                      <a:tailEnd type="none" w="med" len="med"/>
+                    </a:lnT>
+                    <a:noFill/>
+                  </a:tcPr>
+                </a:tc>
+                <a:tc>
+                  <a:txBody>
+                    <a:bodyPr/>
+                    <a:lstStyle/>
+                    <a:p>
+                      <a:pPr algn="ctr"/>
+                      <a:r>
+                        <a:rPr lang="en-US" sz="2400" b="1" dirty="0" smtClean="0">
+                          <a:solidFill>
+                            <a:schemeClr val="accent4">
+                              <a:lumMod val="75000"/>
+                            </a:schemeClr>
+                          </a:solidFill>
+                        </a:rPr>
+                        <a:t>7</a:t>
+                      </a:r>
+                      <a:endParaRPr lang="en-US" sz="2400" b="1" dirty="0">
+                        <a:solidFill>
+                          <a:schemeClr val="accent4">
+                            <a:lumMod val="75000"/>
+                          </a:schemeClr>
+                        </a:solidFill>
+                      </a:endParaRPr>
+                    </a:p>
+                  </a:txBody>
+                  <a:tcPr>
+                    <a:lnL w="12700" cap="flat" cmpd="sng" algn="ctr">
+                      <a:solidFill>
+                        <a:schemeClr val="tx1"/>
+                      </a:solidFill>
+                      <a:prstDash val="solid"/>
+                      <a:round/>
+                      <a:headEnd type="none" w="med" len="med"/>
+                      <a:tailEnd type="none" w="med" len="med"/>
+                    </a:lnL>
+                    <a:lnT w="12700" cap="flat" cmpd="sng" algn="ctr">
+                      <a:solidFill>
+                        <a:schemeClr val="tx1"/>
+                      </a:solidFill>
+                      <a:prstDash val="solid"/>
+                      <a:round/>
+                      <a:headEnd type="none" w="med" len="med"/>
+                      <a:tailEnd type="none" w="med" len="med"/>
+                    </a:lnT>
+                    <a:noFill/>
+                  </a:tcPr>
+                </a:tc>
+              </a:tr>
+            </a:tbl>
+          </a:graphicData>
+        </a:graphic>
+      </p:graphicFrame>
+      <p:sp>
+        <p:nvSpPr>
+          <p:cNvPr id="7" name="TextBox 6"/>
+          <p:cNvSpPr txBox="1"/>
+          <p:nvPr/>
+        </p:nvSpPr>
+        <p:spPr>
+          <a:xfrm>
+            <a:off x="2631535" y="4917283"/>
+            <a:ext cx="5067606" cy="830997"/>
+          </a:xfrm>
+          <a:prstGeom prst="rect">
+            <a:avLst/>
+          </a:prstGeom>
+          <a:noFill/>
+        </p:spPr>
+        <p:txBody>
+          <a:bodyPr wrap="none" rtlCol="0">
+            <a:spAutoFit/>
+          </a:bodyPr>
+          <a:lstStyle/>
+          <a:p>
+            <a:r>
+              <a:rPr lang="en-US" sz="2400" dirty="0" smtClean="0"/>
+              <a:t>Assign all values in tie the </a:t>
+            </a:r>
+            <a:r>
+              <a:rPr lang="en-US" sz="2400" b="1" dirty="0" smtClean="0"/>
+              <a:t>average</a:t>
+            </a:r>
+            <a:r>
+              <a:rPr lang="en-US" sz="2400" dirty="0" smtClean="0"/>
+              <a:t> rank</a:t>
+            </a:r>
+            <a:endParaRPr lang="en-US" sz="2400" dirty="0"/>
+          </a:p>
+          <a:p>
+            <a:endParaRPr lang="en-US" sz="2400" dirty="0"/>
+          </a:p>
+        </p:txBody>
+      </p:sp>
+      <p:sp>
+        <p:nvSpPr>
+          <p:cNvPr id="8" name="TextBox 7"/>
+          <p:cNvSpPr txBox="1"/>
+          <p:nvPr/>
+        </p:nvSpPr>
+        <p:spPr>
+          <a:xfrm>
+            <a:off x="1097280" y="1914291"/>
+            <a:ext cx="5420395" cy="584775"/>
+          </a:xfrm>
+          <a:prstGeom prst="rect">
+            <a:avLst/>
+          </a:prstGeom>
+          <a:noFill/>
+        </p:spPr>
+        <p:txBody>
+          <a:bodyPr wrap="none" rtlCol="0">
+            <a:spAutoFit/>
+          </a:bodyPr>
+          <a:lstStyle/>
+          <a:p>
+            <a:r>
+              <a:rPr lang="en-US" sz="3200" dirty="0" smtClean="0"/>
+              <a:t>Test assumes all data </a:t>
+            </a:r>
+            <a:r>
+              <a:rPr lang="en-US" sz="3200" smtClean="0"/>
+              <a:t>is </a:t>
+            </a:r>
+            <a:r>
+              <a:rPr lang="en-US" sz="3200" b="1" smtClean="0"/>
+              <a:t>ordinal</a:t>
+            </a:r>
+            <a:endParaRPr lang="en-US" sz="3200" dirty="0"/>
           </a:p>
         </p:txBody>
       </p:sp>
     </p:spTree>
     <p:extLst>
       <p:ext uri="{BB962C8B-B14F-4D97-AF65-F5344CB8AC3E}">
-        <p14:creationId xmlns:p14="http://schemas.microsoft.com/office/powerpoint/2010/main" val="2146456845"/>
+        <p14:creationId xmlns:p14="http://schemas.microsoft.com/office/powerpoint/2010/main" val="1991173601"/>
       </p:ext>
     </p:extLst>
   </p:cSld>
@@ -14269,9 +15738,111 @@
   <p:timing>
     <p:tnLst>
       <p:par>
-        <p:cTn id="1" dur="indefinite" restart="never" nodeType="tmRoot"/>
+        <p:cTn id="1" dur="indefinite" restart="never" nodeType="tmRoot">
+          <p:childTnLst>
+            <p:seq concurrent="1" nextAc="seek">
+              <p:cTn id="2" dur="indefinite" nodeType="mainSeq">
+                <p:childTnLst>
+                  <p:par>
+                    <p:cTn id="3" fill="hold">
+                      <p:stCondLst>
+                        <p:cond delay="indefinite"/>
+                        <p:cond evt="onBegin" delay="0">
+                          <p:tn val="2"/>
+                        </p:cond>
+                      </p:stCondLst>
+                      <p:childTnLst>
+                        <p:par>
+                          <p:cTn id="4" fill="hold">
+                            <p:stCondLst>
+                              <p:cond delay="0"/>
+                            </p:stCondLst>
+                            <p:childTnLst>
+                              <p:par>
+                                <p:cTn id="5" presetID="1" presetClass="entr" presetSubtype="0" fill="hold" grpId="0" nodeType="withEffect">
+                                  <p:stCondLst>
+                                    <p:cond delay="0"/>
+                                  </p:stCondLst>
+                                  <p:childTnLst>
+                                    <p:set>
+                                      <p:cBhvr>
+                                        <p:cTn id="6" dur="1" fill="hold">
+                                          <p:stCondLst>
+                                            <p:cond delay="0"/>
+                                          </p:stCondLst>
+                                        </p:cTn>
+                                        <p:tgtEl>
+                                          <p:spTgt spid="4"/>
+                                        </p:tgtEl>
+                                        <p:attrNameLst>
+                                          <p:attrName>style.visibility</p:attrName>
+                                        </p:attrNameLst>
+                                      </p:cBhvr>
+                                      <p:to>
+                                        <p:strVal val="visible"/>
+                                      </p:to>
+                                    </p:set>
+                                  </p:childTnLst>
+                                </p:cTn>
+                              </p:par>
+                              <p:par>
+                                <p:cTn id="7" presetID="1" presetClass="entr" presetSubtype="0" fill="hold" grpId="0" nodeType="withEffect">
+                                  <p:stCondLst>
+                                    <p:cond delay="0"/>
+                                  </p:stCondLst>
+                                  <p:childTnLst>
+                                    <p:set>
+                                      <p:cBhvr>
+                                        <p:cTn id="8" dur="1" fill="hold">
+                                          <p:stCondLst>
+                                            <p:cond delay="0"/>
+                                          </p:stCondLst>
+                                        </p:cTn>
+                                        <p:tgtEl>
+                                          <p:spTgt spid="5"/>
+                                        </p:tgtEl>
+                                        <p:attrNameLst>
+                                          <p:attrName>style.visibility</p:attrName>
+                                        </p:attrNameLst>
+                                      </p:cBhvr>
+                                      <p:to>
+                                        <p:strVal val="visible"/>
+                                      </p:to>
+                                    </p:set>
+                                  </p:childTnLst>
+                                </p:cTn>
+                              </p:par>
+                            </p:childTnLst>
+                          </p:cTn>
+                        </p:par>
+                      </p:childTnLst>
+                    </p:cTn>
+                  </p:par>
+                </p:childTnLst>
+              </p:cTn>
+              <p:prevCondLst>
+                <p:cond evt="onPrev" delay="0">
+                  <p:tgtEl>
+                    <p:sldTgt/>
+                  </p:tgtEl>
+                </p:cond>
+              </p:prevCondLst>
+              <p:nextCondLst>
+                <p:cond evt="onNext" delay="0">
+                  <p:tgtEl>
+                    <p:sldTgt/>
+                  </p:tgtEl>
+                </p:cond>
+              </p:nextCondLst>
+            </p:seq>
+          </p:childTnLst>
+        </p:cTn>
       </p:par>
     </p:tnLst>
+    <p:bldLst>
+      <p:bldP spid="4" grpId="0" animBg="1"/>
+      <p:bldP spid="5" grpId="0" animBg="1"/>
+    </p:bldLst>
   </p:timing>
 </p:sld>
 </file>
@@ -14310,6 +15881,358 @@
           <a:p>
             <a:r>
               <a:rPr lang="en-US" dirty="0" smtClean="0"/>
+              <a:t>Example in </a:t>
+            </a:r>
+            <a:r>
+              <a:rPr lang="en-US" smtClean="0"/>
+              <a:t>R, with ties </a:t>
+            </a:r>
+            <a:endParaRPr lang="en-US" dirty="0"/>
+          </a:p>
+        </p:txBody>
+      </p:sp>
+      <p:sp>
+        <p:nvSpPr>
+          <p:cNvPr id="4" name="TextBox 3"/>
+          <p:cNvSpPr txBox="1"/>
+          <p:nvPr/>
+        </p:nvSpPr>
+        <p:spPr>
+          <a:xfrm>
+            <a:off x="762268" y="1921039"/>
+            <a:ext cx="11429732" cy="4893647"/>
+          </a:xfrm>
+          <a:prstGeom prst="rect">
+            <a:avLst/>
+          </a:prstGeom>
+          <a:noFill/>
+        </p:spPr>
+        <p:txBody>
+          <a:bodyPr wrap="none" rtlCol="0">
+            <a:spAutoFit/>
+          </a:bodyPr>
+          <a:lstStyle/>
+          <a:p>
+            <a:r>
+              <a:rPr lang="en-US" sz="2400" dirty="0">
+                <a:latin typeface="Monaco" charset="0"/>
+                <a:ea typeface="Monaco" charset="0"/>
+                <a:cs typeface="Monaco" charset="0"/>
+              </a:rPr>
+              <a:t>&gt; </a:t>
+            </a:r>
+            <a:r>
+              <a:rPr lang="en-US" sz="2400" dirty="0" err="1">
+                <a:latin typeface="Monaco" charset="0"/>
+                <a:ea typeface="Monaco" charset="0"/>
+                <a:cs typeface="Monaco" charset="0"/>
+              </a:rPr>
+              <a:t>wilcox.test</a:t>
+            </a:r>
+            <a:r>
+              <a:rPr lang="en-US" sz="2400" dirty="0">
+                <a:latin typeface="Monaco" charset="0"/>
+                <a:ea typeface="Monaco" charset="0"/>
+                <a:cs typeface="Monaco" charset="0"/>
+              </a:rPr>
+              <a:t>(c(8, 15, 17), c(22, 10, 16, 17))</a:t>
+            </a:r>
+          </a:p>
+          <a:p>
+            <a:endParaRPr lang="en-US" sz="2400" dirty="0">
+              <a:latin typeface="Monaco" charset="0"/>
+              <a:ea typeface="Monaco" charset="0"/>
+              <a:cs typeface="Monaco" charset="0"/>
+            </a:endParaRPr>
+          </a:p>
+          <a:p>
+            <a:r>
+              <a:rPr lang="en-US" sz="2400" dirty="0">
+                <a:latin typeface="Monaco" charset="0"/>
+                <a:ea typeface="Monaco" charset="0"/>
+                <a:cs typeface="Monaco" charset="0"/>
+              </a:rPr>
+              <a:t>Wilcoxon rank sum test with continuity correction</a:t>
+            </a:r>
+          </a:p>
+          <a:p>
+            <a:endParaRPr lang="en-US" sz="2400" dirty="0">
+              <a:latin typeface="Monaco" charset="0"/>
+              <a:ea typeface="Monaco" charset="0"/>
+              <a:cs typeface="Monaco" charset="0"/>
+            </a:endParaRPr>
+          </a:p>
+          <a:p>
+            <a:r>
+              <a:rPr lang="en-US" sz="2400" dirty="0">
+                <a:latin typeface="Monaco" charset="0"/>
+                <a:ea typeface="Monaco" charset="0"/>
+                <a:cs typeface="Monaco" charset="0"/>
+              </a:rPr>
+              <a:t>data:  c(8, 15, 17) and c(22, 10, 16, 17)</a:t>
+            </a:r>
+          </a:p>
+          <a:p>
+            <a:r>
+              <a:rPr lang="en-US" sz="2400" dirty="0">
+                <a:latin typeface="Monaco" charset="0"/>
+                <a:ea typeface="Monaco" charset="0"/>
+                <a:cs typeface="Monaco" charset="0"/>
+              </a:rPr>
+              <a:t>W = 3.5, p-value = 0.4755</a:t>
+            </a:r>
+          </a:p>
+          <a:p>
+            <a:r>
+              <a:rPr lang="en-US" sz="2400" dirty="0">
+                <a:latin typeface="Monaco" charset="0"/>
+                <a:ea typeface="Monaco" charset="0"/>
+                <a:cs typeface="Monaco" charset="0"/>
+              </a:rPr>
+              <a:t>alternative hypothesis: true location shift is not equal to 0</a:t>
+            </a:r>
+          </a:p>
+          <a:p>
+            <a:r>
+              <a:rPr lang="en-US" sz="2400" dirty="0">
+                <a:latin typeface="Monaco" charset="0"/>
+                <a:ea typeface="Monaco" charset="0"/>
+                <a:cs typeface="Monaco" charset="0"/>
+              </a:rPr>
+              <a:t/>
+            </a:r>
+            <a:br>
+              <a:rPr lang="en-US" sz="2400" dirty="0">
+                <a:latin typeface="Monaco" charset="0"/>
+                <a:ea typeface="Monaco" charset="0"/>
+                <a:cs typeface="Monaco" charset="0"/>
+              </a:rPr>
+            </a:br>
+            <a:endParaRPr lang="en-US" sz="2400" dirty="0">
+              <a:solidFill>
+                <a:srgbClr val="0070C0"/>
+              </a:solidFill>
+              <a:latin typeface="Monaco" charset="0"/>
+              <a:ea typeface="Monaco" charset="0"/>
+              <a:cs typeface="Monaco" charset="0"/>
+            </a:endParaRPr>
+          </a:p>
+          <a:p>
+            <a:r>
+              <a:rPr lang="en-US" sz="2400" b="1" dirty="0">
+                <a:solidFill>
+                  <a:srgbClr val="0070C0"/>
+                </a:solidFill>
+                <a:latin typeface="Monaco" charset="0"/>
+                <a:ea typeface="Monaco" charset="0"/>
+                <a:cs typeface="Monaco" charset="0"/>
+              </a:rPr>
+              <a:t>Warning message:</a:t>
+            </a:r>
+            <a:endParaRPr lang="en-US" sz="2400" dirty="0">
+              <a:solidFill>
+                <a:srgbClr val="0070C0"/>
+              </a:solidFill>
+              <a:latin typeface="Monaco" charset="0"/>
+              <a:ea typeface="Monaco" charset="0"/>
+              <a:cs typeface="Monaco" charset="0"/>
+            </a:endParaRPr>
+          </a:p>
+          <a:p>
+            <a:r>
+              <a:rPr lang="en-US" sz="2400" b="1" dirty="0">
+                <a:solidFill>
+                  <a:srgbClr val="0070C0"/>
+                </a:solidFill>
+                <a:latin typeface="Monaco" charset="0"/>
+                <a:ea typeface="Monaco" charset="0"/>
+                <a:cs typeface="Monaco" charset="0"/>
+              </a:rPr>
+              <a:t>In </a:t>
+            </a:r>
+            <a:r>
+              <a:rPr lang="en-US" sz="2400" b="1" dirty="0" err="1">
+                <a:solidFill>
+                  <a:srgbClr val="0070C0"/>
+                </a:solidFill>
+                <a:latin typeface="Monaco" charset="0"/>
+                <a:ea typeface="Monaco" charset="0"/>
+                <a:cs typeface="Monaco" charset="0"/>
+              </a:rPr>
+              <a:t>wilcox.test.default</a:t>
+            </a:r>
+            <a:r>
+              <a:rPr lang="en-US" sz="2400" b="1" dirty="0">
+                <a:solidFill>
+                  <a:srgbClr val="0070C0"/>
+                </a:solidFill>
+                <a:latin typeface="Monaco" charset="0"/>
+                <a:ea typeface="Monaco" charset="0"/>
+                <a:cs typeface="Monaco" charset="0"/>
+              </a:rPr>
+              <a:t>(c(8, 15, 17), c(22, 10, 16, 17)) :</a:t>
+            </a:r>
+            <a:endParaRPr lang="en-US" sz="2400" dirty="0">
+              <a:solidFill>
+                <a:srgbClr val="0070C0"/>
+              </a:solidFill>
+              <a:latin typeface="Monaco" charset="0"/>
+              <a:ea typeface="Monaco" charset="0"/>
+              <a:cs typeface="Monaco" charset="0"/>
+            </a:endParaRPr>
+          </a:p>
+          <a:p>
+            <a:r>
+              <a:rPr lang="en-US" sz="2400" b="1" dirty="0">
+                <a:solidFill>
+                  <a:srgbClr val="0070C0"/>
+                </a:solidFill>
+                <a:latin typeface="Monaco" charset="0"/>
+                <a:ea typeface="Monaco" charset="0"/>
+                <a:cs typeface="Monaco" charset="0"/>
+              </a:rPr>
+              <a:t>  cannot compute exact p-value with ties</a:t>
+            </a:r>
+            <a:endParaRPr lang="en-US" sz="2400" dirty="0">
+              <a:solidFill>
+                <a:srgbClr val="0070C0"/>
+              </a:solidFill>
+              <a:latin typeface="Monaco" charset="0"/>
+              <a:ea typeface="Monaco" charset="0"/>
+              <a:cs typeface="Monaco" charset="0"/>
+            </a:endParaRPr>
+          </a:p>
+          <a:p>
+            <a:endParaRPr lang="en-US" sz="2400" dirty="0">
+              <a:latin typeface="Monaco" charset="0"/>
+              <a:ea typeface="Monaco" charset="0"/>
+              <a:cs typeface="Monaco" charset="0"/>
+            </a:endParaRPr>
+          </a:p>
+        </p:txBody>
+      </p:sp>
+    </p:spTree>
+    <p:extLst>
+      <p:ext uri="{BB962C8B-B14F-4D97-AF65-F5344CB8AC3E}">
+        <p14:creationId xmlns:p14="http://schemas.microsoft.com/office/powerpoint/2010/main" val="2146456845"/>
+      </p:ext>
+    </p:extLst>
+  </p:cSld>
+  <p:clrMapOvr>
+    <a:masterClrMapping/>
+  </p:clrMapOvr>
+  <p:timing>
+    <p:tnLst>
+      <p:par>
+        <p:cTn id="1" dur="indefinite" restart="never" nodeType="tmRoot"/>
+      </p:par>
+    </p:tnLst>
+  </p:timing>
+</p:sld>
+</file>
+
+<file path=ppt/slides/slide25.xml><?xml version="1.0" encoding="utf-8"?>
+<p:sld xmlns:a="http://schemas.openxmlformats.org/drawingml/2006/main" xmlns:r="http://schemas.openxmlformats.org/officeDocument/2006/relationships" xmlns:p="http://schemas.openxmlformats.org/presentationml/2006/main">
+  <p:cSld>
+    <p:spTree>
+      <p:nvGrpSpPr>
+        <p:cNvPr id="1" name=""/>
+        <p:cNvGrpSpPr/>
+        <p:nvPr/>
+      </p:nvGrpSpPr>
+      <p:grpSpPr>
+        <a:xfrm>
+          <a:off x="0" y="0"/>
+          <a:ext cx="0" cy="0"/>
+          <a:chOff x="0" y="0"/>
+          <a:chExt cx="0" cy="0"/>
+        </a:xfrm>
+      </p:grpSpPr>
+      <p:sp>
+        <p:nvSpPr>
+          <p:cNvPr id="2" name="Title 1"/>
+          <p:cNvSpPr>
+            <a:spLocks noGrp="1"/>
+          </p:cNvSpPr>
+          <p:nvPr>
+            <p:ph type="title"/>
+          </p:nvPr>
+        </p:nvSpPr>
+        <p:spPr/>
+        <p:txBody>
+          <a:bodyPr/>
+          <a:lstStyle/>
+          <a:p>
+            <a:endParaRPr lang="en-US"/>
+          </a:p>
+        </p:txBody>
+      </p:sp>
+      <p:sp>
+        <p:nvSpPr>
+          <p:cNvPr id="3" name="Content Placeholder 2"/>
+          <p:cNvSpPr>
+            <a:spLocks noGrp="1"/>
+          </p:cNvSpPr>
+          <p:nvPr>
+            <p:ph idx="1"/>
+          </p:nvPr>
+        </p:nvSpPr>
+        <p:spPr/>
+        <p:txBody>
+          <a:bodyPr/>
+          <a:lstStyle/>
+          <a:p>
+            <a:endParaRPr lang="en-US"/>
+          </a:p>
+        </p:txBody>
+      </p:sp>
+    </p:spTree>
+    <p:extLst>
+      <p:ext uri="{BB962C8B-B14F-4D97-AF65-F5344CB8AC3E}">
+        <p14:creationId xmlns:p14="http://schemas.microsoft.com/office/powerpoint/2010/main" val="746661378"/>
+      </p:ext>
+    </p:extLst>
+  </p:cSld>
+  <p:clrMapOvr>
+    <a:masterClrMapping/>
+  </p:clrMapOvr>
+</p:sld>
+</file>
+
+<file path=ppt/slides/slide26.xml><?xml version="1.0" encoding="utf-8"?>
+<p:sld xmlns:a="http://schemas.openxmlformats.org/drawingml/2006/main" xmlns:r="http://schemas.openxmlformats.org/officeDocument/2006/relationships" xmlns:p="http://schemas.openxmlformats.org/presentationml/2006/main">
+  <p:cSld>
+    <p:spTree>
+      <p:nvGrpSpPr>
+        <p:cNvPr id="1" name=""/>
+        <p:cNvGrpSpPr/>
+        <p:nvPr/>
+      </p:nvGrpSpPr>
+      <p:grpSpPr>
+        <a:xfrm>
+          <a:off x="0" y="0"/>
+          <a:ext cx="0" cy="0"/>
+          <a:chOff x="0" y="0"/>
+          <a:chExt cx="0" cy="0"/>
+        </a:xfrm>
+      </p:grpSpPr>
+      <p:sp>
+        <p:nvSpPr>
+          <p:cNvPr id="2" name="Title 1"/>
+          <p:cNvSpPr>
+            <a:spLocks noGrp="1"/>
+          </p:cNvSpPr>
+          <p:nvPr>
+            <p:ph type="title"/>
+          </p:nvPr>
+        </p:nvSpPr>
+        <p:spPr/>
+        <p:txBody>
+          <a:bodyPr/>
+          <a:lstStyle/>
+          <a:p>
+            <a:r>
+              <a:rPr lang="en-US" dirty="0" smtClean="0"/>
               <a:t>What is a dataset?</a:t>
             </a:r>
             <a:endParaRPr lang="en-US" dirty="0"/>
@@ -14489,7 +16412,7 @@
 </p:sld>
 </file>
 
-<file path=ppt/slides/slide25.xml><?xml version="1.0" encoding="utf-8"?>
+<file path=ppt/slides/slide27.xml><?xml version="1.0" encoding="utf-8"?>
 <p:sld xmlns:a="http://schemas.openxmlformats.org/drawingml/2006/main" xmlns:r="http://schemas.openxmlformats.org/officeDocument/2006/relationships" xmlns:p="http://schemas.openxmlformats.org/presentationml/2006/main">
   <p:cSld>
     <p:spTree>
@@ -15135,7 +17058,7 @@
 </p:sld>
 </file>
 
-<file path=ppt/slides/slide26.xml><?xml version="1.0" encoding="utf-8"?>
+<file path=ppt/slides/slide28.xml><?xml version="1.0" encoding="utf-8"?>
 <p:sld xmlns:a="http://schemas.openxmlformats.org/drawingml/2006/main" xmlns:r="http://schemas.openxmlformats.org/officeDocument/2006/relationships" xmlns:p="http://schemas.openxmlformats.org/presentationml/2006/main">
   <p:cSld>
     <p:spTree>
@@ -15392,7 +17315,7 @@
 </p:sld>
 </file>
 
-<file path=ppt/slides/slide27.xml><?xml version="1.0" encoding="utf-8"?>
+<file path=ppt/slides/slide29.xml><?xml version="1.0" encoding="utf-8"?>
 <p:sld xmlns:a="http://schemas.openxmlformats.org/drawingml/2006/main" xmlns:r="http://schemas.openxmlformats.org/officeDocument/2006/relationships" xmlns:p="http://schemas.openxmlformats.org/presentationml/2006/main">
   <p:cSld>
     <p:spTree>
@@ -15670,7 +17593,163 @@
 </p:sld>
 </file>
 
-<file path=ppt/slides/slide28.xml><?xml version="1.0" encoding="utf-8"?>
+<file path=ppt/slides/slide3.xml><?xml version="1.0" encoding="utf-8"?>
+<p:sld xmlns:a="http://schemas.openxmlformats.org/drawingml/2006/main" xmlns:r="http://schemas.openxmlformats.org/officeDocument/2006/relationships" xmlns:p="http://schemas.openxmlformats.org/presentationml/2006/main">
+  <p:cSld>
+    <p:spTree>
+      <p:nvGrpSpPr>
+        <p:cNvPr id="1" name=""/>
+        <p:cNvGrpSpPr/>
+        <p:nvPr/>
+      </p:nvGrpSpPr>
+      <p:grpSpPr>
+        <a:xfrm>
+          <a:off x="0" y="0"/>
+          <a:ext cx="0" cy="0"/>
+          <a:chOff x="0" y="0"/>
+          <a:chExt cx="0" cy="0"/>
+        </a:xfrm>
+      </p:grpSpPr>
+      <p:sp>
+        <p:nvSpPr>
+          <p:cNvPr id="2" name="Title 1"/>
+          <p:cNvSpPr>
+            <a:spLocks noGrp="1"/>
+          </p:cNvSpPr>
+          <p:nvPr>
+            <p:ph type="title"/>
+          </p:nvPr>
+        </p:nvSpPr>
+        <p:spPr/>
+        <p:txBody>
+          <a:bodyPr/>
+          <a:lstStyle/>
+          <a:p>
+            <a:r>
+              <a:rPr lang="en-US" dirty="0" smtClean="0"/>
+              <a:t>Our bag of tests</a:t>
+            </a:r>
+            <a:endParaRPr lang="en-US" dirty="0"/>
+          </a:p>
+        </p:txBody>
+      </p:sp>
+      <p:sp>
+        <p:nvSpPr>
+          <p:cNvPr id="6" name="Content Placeholder 5"/>
+          <p:cNvSpPr>
+            <a:spLocks noGrp="1"/>
+          </p:cNvSpPr>
+          <p:nvPr>
+            <p:ph idx="1"/>
+          </p:nvPr>
+        </p:nvSpPr>
+        <p:spPr/>
+        <p:txBody>
+          <a:bodyPr>
+            <a:normAutofit lnSpcReduction="10000"/>
+          </a:bodyPr>
+          <a:lstStyle/>
+          <a:p>
+            <a:r>
+              <a:rPr lang="en-US" dirty="0" smtClean="0"/>
+              <a:t>Numeric data: </a:t>
+            </a:r>
+            <a:r>
+              <a:rPr lang="en-US" i="1" dirty="0" smtClean="0"/>
+              <a:t>t</a:t>
+            </a:r>
+            <a:r>
+              <a:rPr lang="en-US" dirty="0" smtClean="0"/>
+              <a:t>-tests</a:t>
+            </a:r>
+          </a:p>
+          <a:p>
+            <a:pPr lvl="1"/>
+            <a:r>
+              <a:rPr lang="en-US" dirty="0" smtClean="0"/>
+              <a:t>One sample/paired</a:t>
+            </a:r>
+          </a:p>
+          <a:p>
+            <a:pPr lvl="1"/>
+            <a:r>
+              <a:rPr lang="en-US" dirty="0" smtClean="0"/>
+              <a:t>Two sample</a:t>
+            </a:r>
+          </a:p>
+          <a:p>
+            <a:r>
+              <a:rPr lang="en-US" dirty="0" smtClean="0"/>
+              <a:t>Categorical data</a:t>
+            </a:r>
+          </a:p>
+          <a:p>
+            <a:pPr lvl="1"/>
+            <a:r>
+              <a:rPr lang="en-US" dirty="0" smtClean="0"/>
+              <a:t>One categorical variable with two levels: Binomial</a:t>
+            </a:r>
+          </a:p>
+          <a:p>
+            <a:pPr lvl="1"/>
+            <a:r>
+              <a:rPr lang="en-US" dirty="0" smtClean="0"/>
+              <a:t>One categorical variable with &gt;two levels: Chi-squared goodness of fit</a:t>
+            </a:r>
+          </a:p>
+          <a:p>
+            <a:pPr lvl="1"/>
+            <a:r>
+              <a:rPr lang="en-US" dirty="0" smtClean="0"/>
+              <a:t>Two categorical variables: Contingency table</a:t>
+            </a:r>
+          </a:p>
+          <a:p>
+            <a:pPr lvl="2"/>
+            <a:r>
+              <a:rPr lang="en-US" dirty="0"/>
+              <a:t>Chi-squared </a:t>
+            </a:r>
+            <a:r>
+              <a:rPr lang="en-US" dirty="0" smtClean="0"/>
+              <a:t>for large samples</a:t>
+            </a:r>
+          </a:p>
+          <a:p>
+            <a:pPr lvl="2"/>
+            <a:r>
+              <a:rPr lang="en-US" dirty="0" smtClean="0"/>
+              <a:t>Fisher's exact test for small samples</a:t>
+            </a:r>
+            <a:endParaRPr lang="en-US" dirty="0"/>
+          </a:p>
+          <a:p>
+            <a:pPr lvl="2"/>
+            <a:endParaRPr lang="en-US" dirty="0"/>
+          </a:p>
+        </p:txBody>
+      </p:sp>
+    </p:spTree>
+    <p:extLst>
+      <p:ext uri="{BB962C8B-B14F-4D97-AF65-F5344CB8AC3E}">
+        <p14:creationId xmlns:p14="http://schemas.microsoft.com/office/powerpoint/2010/main" val="274820881"/>
+      </p:ext>
+    </p:extLst>
+  </p:cSld>
+  <p:clrMapOvr>
+    <a:masterClrMapping/>
+  </p:clrMapOvr>
+  <p:timing>
+    <p:tnLst>
+      <p:par>
+        <p:cTn id="1" dur="indefinite" restart="never" nodeType="tmRoot"/>
+      </p:par>
+    </p:tnLst>
+  </p:timing>
+</p:sld>
+</file>
+
+<file path=ppt/slides/slide30.xml><?xml version="1.0" encoding="utf-8"?>
 <p:sld xmlns:a="http://schemas.openxmlformats.org/drawingml/2006/main" xmlns:r="http://schemas.openxmlformats.org/officeDocument/2006/relationships" xmlns:p="http://schemas.openxmlformats.org/presentationml/2006/main">
   <p:cSld>
     <p:spTree>
@@ -16878,7 +18957,7 @@
 </p:sld>
 </file>
 
-<file path=ppt/slides/slide29.xml><?xml version="1.0" encoding="utf-8"?>
+<file path=ppt/slides/slide31.xml><?xml version="1.0" encoding="utf-8"?>
 <p:sld xmlns:a="http://schemas.openxmlformats.org/drawingml/2006/main" xmlns:r="http://schemas.openxmlformats.org/officeDocument/2006/relationships" xmlns:p="http://schemas.openxmlformats.org/presentationml/2006/main">
   <p:cSld>
     <p:spTree>
@@ -17449,163 +19528,7 @@
 </p:sld>
 </file>
 
-<file path=ppt/slides/slide3.xml><?xml version="1.0" encoding="utf-8"?>
-<p:sld xmlns:a="http://schemas.openxmlformats.org/drawingml/2006/main" xmlns:r="http://schemas.openxmlformats.org/officeDocument/2006/relationships" xmlns:p="http://schemas.openxmlformats.org/presentationml/2006/main">
-  <p:cSld>
-    <p:spTree>
-      <p:nvGrpSpPr>
-        <p:cNvPr id="1" name=""/>
-        <p:cNvGrpSpPr/>
-        <p:nvPr/>
-      </p:nvGrpSpPr>
-      <p:grpSpPr>
-        <a:xfrm>
-          <a:off x="0" y="0"/>
-          <a:ext cx="0" cy="0"/>
-          <a:chOff x="0" y="0"/>
-          <a:chExt cx="0" cy="0"/>
-        </a:xfrm>
-      </p:grpSpPr>
-      <p:sp>
-        <p:nvSpPr>
-          <p:cNvPr id="2" name="Title 1"/>
-          <p:cNvSpPr>
-            <a:spLocks noGrp="1"/>
-          </p:cNvSpPr>
-          <p:nvPr>
-            <p:ph type="title"/>
-          </p:nvPr>
-        </p:nvSpPr>
-        <p:spPr/>
-        <p:txBody>
-          <a:bodyPr/>
-          <a:lstStyle/>
-          <a:p>
-            <a:r>
-              <a:rPr lang="en-US" dirty="0" smtClean="0"/>
-              <a:t>Our bag of tests</a:t>
-            </a:r>
-            <a:endParaRPr lang="en-US" dirty="0"/>
-          </a:p>
-        </p:txBody>
-      </p:sp>
-      <p:sp>
-        <p:nvSpPr>
-          <p:cNvPr id="6" name="Content Placeholder 5"/>
-          <p:cNvSpPr>
-            <a:spLocks noGrp="1"/>
-          </p:cNvSpPr>
-          <p:nvPr>
-            <p:ph idx="1"/>
-          </p:nvPr>
-        </p:nvSpPr>
-        <p:spPr/>
-        <p:txBody>
-          <a:bodyPr>
-            <a:normAutofit lnSpcReduction="10000"/>
-          </a:bodyPr>
-          <a:lstStyle/>
-          <a:p>
-            <a:r>
-              <a:rPr lang="en-US" dirty="0" smtClean="0"/>
-              <a:t>Numeric data: </a:t>
-            </a:r>
-            <a:r>
-              <a:rPr lang="en-US" i="1" dirty="0" smtClean="0"/>
-              <a:t>t</a:t>
-            </a:r>
-            <a:r>
-              <a:rPr lang="en-US" dirty="0" smtClean="0"/>
-              <a:t>-tests</a:t>
-            </a:r>
-          </a:p>
-          <a:p>
-            <a:pPr lvl="1"/>
-            <a:r>
-              <a:rPr lang="en-US" dirty="0" smtClean="0"/>
-              <a:t>One sample/paired</a:t>
-            </a:r>
-          </a:p>
-          <a:p>
-            <a:pPr lvl="1"/>
-            <a:r>
-              <a:rPr lang="en-US" dirty="0" smtClean="0"/>
-              <a:t>Two sample</a:t>
-            </a:r>
-          </a:p>
-          <a:p>
-            <a:r>
-              <a:rPr lang="en-US" dirty="0" smtClean="0"/>
-              <a:t>Categorical data</a:t>
-            </a:r>
-          </a:p>
-          <a:p>
-            <a:pPr lvl="1"/>
-            <a:r>
-              <a:rPr lang="en-US" dirty="0" smtClean="0"/>
-              <a:t>One categorical variable with two levels: Binomial</a:t>
-            </a:r>
-          </a:p>
-          <a:p>
-            <a:pPr lvl="1"/>
-            <a:r>
-              <a:rPr lang="en-US" dirty="0" smtClean="0"/>
-              <a:t>One categorical variable with &gt;two levels: Chi-squared goodness of fit</a:t>
-            </a:r>
-          </a:p>
-          <a:p>
-            <a:pPr lvl="1"/>
-            <a:r>
-              <a:rPr lang="en-US" dirty="0" smtClean="0"/>
-              <a:t>Two categorical variables: Contingency table</a:t>
-            </a:r>
-          </a:p>
-          <a:p>
-            <a:pPr lvl="2"/>
-            <a:r>
-              <a:rPr lang="en-US" dirty="0"/>
-              <a:t>Chi-squared </a:t>
-            </a:r>
-            <a:r>
-              <a:rPr lang="en-US" dirty="0" smtClean="0"/>
-              <a:t>for large samples</a:t>
-            </a:r>
-          </a:p>
-          <a:p>
-            <a:pPr lvl="2"/>
-            <a:r>
-              <a:rPr lang="en-US" dirty="0" smtClean="0"/>
-              <a:t>Fisher's exact test for small samples</a:t>
-            </a:r>
-            <a:endParaRPr lang="en-US" dirty="0"/>
-          </a:p>
-          <a:p>
-            <a:pPr lvl="2"/>
-            <a:endParaRPr lang="en-US" dirty="0"/>
-          </a:p>
-        </p:txBody>
-      </p:sp>
-    </p:spTree>
-    <p:extLst>
-      <p:ext uri="{BB962C8B-B14F-4D97-AF65-F5344CB8AC3E}">
-        <p14:creationId xmlns:p14="http://schemas.microsoft.com/office/powerpoint/2010/main" val="274820881"/>
-      </p:ext>
-    </p:extLst>
-  </p:cSld>
-  <p:clrMapOvr>
-    <a:masterClrMapping/>
-  </p:clrMapOvr>
-  <p:timing>
-    <p:tnLst>
-      <p:par>
-        <p:cTn id="1" dur="indefinite" restart="never" nodeType="tmRoot"/>
-      </p:par>
-    </p:tnLst>
-  </p:timing>
-</p:sld>
-</file>
-
-<file path=ppt/slides/slide30.xml><?xml version="1.0" encoding="utf-8"?>
+<file path=ppt/slides/slide32.xml><?xml version="1.0" encoding="utf-8"?>
 <p:sld xmlns:a="http://schemas.openxmlformats.org/drawingml/2006/main" xmlns:r="http://schemas.openxmlformats.org/officeDocument/2006/relationships" xmlns:p="http://schemas.openxmlformats.org/presentationml/2006/main">
   <p:cSld>
     <p:spTree>
@@ -18849,7 +20772,7 @@
 </p:sld>
 </file>
 
-<file path=ppt/slides/slide31.xml><?xml version="1.0" encoding="utf-8"?>
+<file path=ppt/slides/slide33.xml><?xml version="1.0" encoding="utf-8"?>
 <p:sld xmlns:a="http://schemas.openxmlformats.org/drawingml/2006/main" xmlns:r="http://schemas.openxmlformats.org/officeDocument/2006/relationships" xmlns:p="http://schemas.openxmlformats.org/presentationml/2006/main">
   <p:cSld>
     <p:spTree>
@@ -19002,15 +20925,7 @@
                 <a:ea typeface="Monaco" charset="0"/>
                 <a:cs typeface="Monaco" charset="0"/>
               </a:rPr>
-              <a:t>  </a:t>
-            </a:r>
-            <a:r>
-              <a:rPr lang="is-IS" dirty="0" smtClean="0">
-                <a:latin typeface="Monaco" charset="0"/>
-                <a:ea typeface="Monaco" charset="0"/>
-                <a:cs typeface="Monaco" charset="0"/>
-              </a:rPr>
-              <a:t>4.51 </a:t>
+              <a:t>  4.51 </a:t>
             </a:r>
             <a:r>
               <a:rPr lang="is-IS" dirty="0">
